--- a/SWEPresentation.pptx
+++ b/SWEPresentation.pptx
@@ -10,6 +10,10 @@
     <p:sldId id="258" r:id="rId4"/>
     <p:sldId id="259" r:id="rId5"/>
     <p:sldId id="260" r:id="rId6"/>
+    <p:sldId id="261" r:id="rId7"/>
+    <p:sldId id="262" r:id="rId8"/>
+    <p:sldId id="263" r:id="rId9"/>
+    <p:sldId id="264" r:id="rId10"/>
   </p:sldIdLst>
   <p:sldSz cx="12192000" cy="6858000"/>
   <p:notesSz cx="6858000" cy="9144000"/>
@@ -108,7 +112,244 @@
       </a:defRPr>
     </a:lvl9pPr>
   </p:defaultTextStyle>
+  <p:extLst>
+    <p:ext uri="{EFAFB233-063F-42B5-8137-9DF3F51BA10A}">
+      <p15:sldGuideLst xmlns:p15="http://schemas.microsoft.com/office/powerpoint/2012/main"/>
+    </p:ext>
+  </p:extLst>
 </p:presentation>
+</file>
+
+<file path=ppt/revisionInfo.xml><?xml version="1.0" encoding="utf-8"?>
+<p1510:revInfo xmlns:a="http://schemas.openxmlformats.org/drawingml/2006/main" xmlns:r="http://schemas.openxmlformats.org/officeDocument/2006/relationships" xmlns:p1510="http://schemas.microsoft.com/office/powerpoint/2015/10/main">
+  <p1510:revLst>
+    <p1510:client id="{3EBED974-51D8-4C5C-8838-8CE47BB96208}" v="42" dt="2024-11-20T05:23:50.471"/>
+  </p1510:revLst>
+</p1510:revInfo>
+</file>
+
+<file path=ppt/changesInfos/changesInfo1.xml><?xml version="1.0" encoding="utf-8"?>
+<pc:chgInfo xmlns:a="http://schemas.openxmlformats.org/drawingml/2006/main" xmlns:r="http://schemas.openxmlformats.org/officeDocument/2006/relationships" xmlns:ac="http://schemas.microsoft.com/office/drawing/2013/main/command" xmlns:pc="http://schemas.microsoft.com/office/powerpoint/2013/main/command">
+  <pc:docChgLst>
+    <pc:chgData name="Jean Ketler RENE" userId="ba35d095b67bd199" providerId="LiveId" clId="{3EBED974-51D8-4C5C-8838-8CE47BB96208}"/>
+    <pc:docChg chg="undo redo custSel addSld delSld modSld">
+      <pc:chgData name="Jean Ketler RENE" userId="ba35d095b67bd199" providerId="LiveId" clId="{3EBED974-51D8-4C5C-8838-8CE47BB96208}" dt="2024-11-20T06:33:28.609" v="328" actId="14100"/>
+      <pc:docMkLst>
+        <pc:docMk/>
+      </pc:docMkLst>
+      <pc:sldChg chg="addSp delSp modSp mod">
+        <pc:chgData name="Jean Ketler RENE" userId="ba35d095b67bd199" providerId="LiveId" clId="{3EBED974-51D8-4C5C-8838-8CE47BB96208}" dt="2024-11-20T06:25:26.662" v="310" actId="478"/>
+        <pc:sldMkLst>
+          <pc:docMk/>
+          <pc:sldMk cId="1382873098" sldId="259"/>
+        </pc:sldMkLst>
+        <pc:spChg chg="mod">
+          <ac:chgData name="Jean Ketler RENE" userId="ba35d095b67bd199" providerId="LiveId" clId="{3EBED974-51D8-4C5C-8838-8CE47BB96208}" dt="2024-11-20T06:25:15.526" v="308" actId="20577"/>
+          <ac:spMkLst>
+            <pc:docMk/>
+            <pc:sldMk cId="1382873098" sldId="259"/>
+            <ac:spMk id="15" creationId="{030F9E64-85A5-C09C-18C2-00F5CBB90F64}"/>
+          </ac:spMkLst>
+        </pc:spChg>
+        <pc:spChg chg="add del">
+          <ac:chgData name="Jean Ketler RENE" userId="ba35d095b67bd199" providerId="LiveId" clId="{3EBED974-51D8-4C5C-8838-8CE47BB96208}" dt="2024-11-20T06:25:26.662" v="310" actId="478"/>
+          <ac:spMkLst>
+            <pc:docMk/>
+            <pc:sldMk cId="1382873098" sldId="259"/>
+            <ac:spMk id="28" creationId="{43F6F12B-19FB-3DE3-FC74-8CDDAD0EA3B3}"/>
+          </ac:spMkLst>
+        </pc:spChg>
+        <pc:picChg chg="mod">
+          <ac:chgData name="Jean Ketler RENE" userId="ba35d095b67bd199" providerId="LiveId" clId="{3EBED974-51D8-4C5C-8838-8CE47BB96208}" dt="2024-11-20T06:11:52.058" v="275" actId="1076"/>
+          <ac:picMkLst>
+            <pc:docMk/>
+            <pc:sldMk cId="1382873098" sldId="259"/>
+            <ac:picMk id="5" creationId="{EBED6AF6-A700-89EF-07BA-908FF9BEA4A3}"/>
+          </ac:picMkLst>
+        </pc:picChg>
+      </pc:sldChg>
+      <pc:sldChg chg="new del">
+        <pc:chgData name="Jean Ketler RENE" userId="ba35d095b67bd199" providerId="LiveId" clId="{3EBED974-51D8-4C5C-8838-8CE47BB96208}" dt="2024-11-20T02:49:46.997" v="1" actId="47"/>
+        <pc:sldMkLst>
+          <pc:docMk/>
+          <pc:sldMk cId="2815353613" sldId="261"/>
+        </pc:sldMkLst>
+      </pc:sldChg>
+      <pc:sldChg chg="addSp delSp modSp new mod">
+        <pc:chgData name="Jean Ketler RENE" userId="ba35d095b67bd199" providerId="LiveId" clId="{3EBED974-51D8-4C5C-8838-8CE47BB96208}" dt="2024-11-20T05:24:08.939" v="217" actId="20577"/>
+        <pc:sldMkLst>
+          <pc:docMk/>
+          <pc:sldMk cId="3337679506" sldId="261"/>
+        </pc:sldMkLst>
+        <pc:spChg chg="mod">
+          <ac:chgData name="Jean Ketler RENE" userId="ba35d095b67bd199" providerId="LiveId" clId="{3EBED974-51D8-4C5C-8838-8CE47BB96208}" dt="2024-11-20T02:51:00.574" v="44" actId="20577"/>
+          <ac:spMkLst>
+            <pc:docMk/>
+            <pc:sldMk cId="3337679506" sldId="261"/>
+            <ac:spMk id="2" creationId="{6B44BC64-6311-ACCF-BEF8-1DF27261B1FC}"/>
+          </ac:spMkLst>
+        </pc:spChg>
+        <pc:spChg chg="add del mod">
+          <ac:chgData name="Jean Ketler RENE" userId="ba35d095b67bd199" providerId="LiveId" clId="{3EBED974-51D8-4C5C-8838-8CE47BB96208}" dt="2024-11-20T05:24:08.939" v="217" actId="20577"/>
+          <ac:spMkLst>
+            <pc:docMk/>
+            <pc:sldMk cId="3337679506" sldId="261"/>
+            <ac:spMk id="3" creationId="{D1CF182D-207A-3DF6-3C1D-59B01F405D0B}"/>
+          </ac:spMkLst>
+        </pc:spChg>
+        <pc:spChg chg="add mod">
+          <ac:chgData name="Jean Ketler RENE" userId="ba35d095b67bd199" providerId="LiveId" clId="{3EBED974-51D8-4C5C-8838-8CE47BB96208}" dt="2024-11-20T02:57:43.613" v="59"/>
+          <ac:spMkLst>
+            <pc:docMk/>
+            <pc:sldMk cId="3337679506" sldId="261"/>
+            <ac:spMk id="4" creationId="{BDE51660-2C65-0CCF-6A29-37E986490F64}"/>
+          </ac:spMkLst>
+        </pc:spChg>
+        <pc:spChg chg="add">
+          <ac:chgData name="Jean Ketler RENE" userId="ba35d095b67bd199" providerId="LiveId" clId="{3EBED974-51D8-4C5C-8838-8CE47BB96208}" dt="2024-11-20T05:16:59.345" v="126"/>
+          <ac:spMkLst>
+            <pc:docMk/>
+            <pc:sldMk cId="3337679506" sldId="261"/>
+            <ac:spMk id="5" creationId="{1CE2EA26-6A8F-0ABF-6B4A-9B96507262FD}"/>
+          </ac:spMkLst>
+        </pc:spChg>
+        <pc:spChg chg="add mod">
+          <ac:chgData name="Jean Ketler RENE" userId="ba35d095b67bd199" providerId="LiveId" clId="{3EBED974-51D8-4C5C-8838-8CE47BB96208}" dt="2024-11-20T05:17:24.635" v="131"/>
+          <ac:spMkLst>
+            <pc:docMk/>
+            <pc:sldMk cId="3337679506" sldId="261"/>
+            <ac:spMk id="6" creationId="{CD6F6CCA-60FB-EC31-3D25-35403B9E930E}"/>
+          </ac:spMkLst>
+        </pc:spChg>
+        <pc:spChg chg="add">
+          <ac:chgData name="Jean Ketler RENE" userId="ba35d095b67bd199" providerId="LiveId" clId="{3EBED974-51D8-4C5C-8838-8CE47BB96208}" dt="2024-11-20T05:17:35.009" v="132"/>
+          <ac:spMkLst>
+            <pc:docMk/>
+            <pc:sldMk cId="3337679506" sldId="261"/>
+            <ac:spMk id="7" creationId="{77D58A05-B8D9-01F6-84F2-1729595D9D40}"/>
+          </ac:spMkLst>
+        </pc:spChg>
+        <pc:spChg chg="add mod">
+          <ac:chgData name="Jean Ketler RENE" userId="ba35d095b67bd199" providerId="LiveId" clId="{3EBED974-51D8-4C5C-8838-8CE47BB96208}" dt="2024-11-20T05:18:18.788" v="142" actId="27636"/>
+          <ac:spMkLst>
+            <pc:docMk/>
+            <pc:sldMk cId="3337679506" sldId="261"/>
+            <ac:spMk id="8" creationId="{B8D78222-4B18-6E74-1DCE-107158527E0F}"/>
+          </ac:spMkLst>
+        </pc:spChg>
+        <pc:spChg chg="add">
+          <ac:chgData name="Jean Ketler RENE" userId="ba35d095b67bd199" providerId="LiveId" clId="{3EBED974-51D8-4C5C-8838-8CE47BB96208}" dt="2024-11-20T05:23:12.002" v="195"/>
+          <ac:spMkLst>
+            <pc:docMk/>
+            <pc:sldMk cId="3337679506" sldId="261"/>
+            <ac:spMk id="9" creationId="{702DB253-EAE1-6EE7-3AEA-C421E43D5EDF}"/>
+          </ac:spMkLst>
+        </pc:spChg>
+        <pc:spChg chg="add mod">
+          <ac:chgData name="Jean Ketler RENE" userId="ba35d095b67bd199" providerId="LiveId" clId="{3EBED974-51D8-4C5C-8838-8CE47BB96208}" dt="2024-11-20T05:23:43.892" v="202" actId="27636"/>
+          <ac:spMkLst>
+            <pc:docMk/>
+            <pc:sldMk cId="3337679506" sldId="261"/>
+            <ac:spMk id="10" creationId="{BBF20EF4-B18E-C356-C439-6C81C563EF9F}"/>
+          </ac:spMkLst>
+        </pc:spChg>
+      </pc:sldChg>
+      <pc:sldChg chg="addSp delSp modSp new mod">
+        <pc:chgData name="Jean Ketler RENE" userId="ba35d095b67bd199" providerId="LiveId" clId="{3EBED974-51D8-4C5C-8838-8CE47BB96208}" dt="2024-11-20T05:43:21.496" v="272" actId="14100"/>
+        <pc:sldMkLst>
+          <pc:docMk/>
+          <pc:sldMk cId="2852406288" sldId="262"/>
+        </pc:sldMkLst>
+        <pc:spChg chg="mod">
+          <ac:chgData name="Jean Ketler RENE" userId="ba35d095b67bd199" providerId="LiveId" clId="{3EBED974-51D8-4C5C-8838-8CE47BB96208}" dt="2024-11-20T05:24:40.443" v="219"/>
+          <ac:spMkLst>
+            <pc:docMk/>
+            <pc:sldMk cId="2852406288" sldId="262"/>
+            <ac:spMk id="2" creationId="{B8829272-AA85-4122-EBF0-EEB50663DC8E}"/>
+          </ac:spMkLst>
+        </pc:spChg>
+        <pc:spChg chg="del mod">
+          <ac:chgData name="Jean Ketler RENE" userId="ba35d095b67bd199" providerId="LiveId" clId="{3EBED974-51D8-4C5C-8838-8CE47BB96208}" dt="2024-11-20T05:28:20.137" v="222" actId="22"/>
+          <ac:spMkLst>
+            <pc:docMk/>
+            <pc:sldMk cId="2852406288" sldId="262"/>
+            <ac:spMk id="3" creationId="{C9BAE6DF-A262-B376-C83A-DBC170D20C70}"/>
+          </ac:spMkLst>
+        </pc:spChg>
+        <pc:picChg chg="add mod ord">
+          <ac:chgData name="Jean Ketler RENE" userId="ba35d095b67bd199" providerId="LiveId" clId="{3EBED974-51D8-4C5C-8838-8CE47BB96208}" dt="2024-11-20T05:28:59.774" v="225" actId="14100"/>
+          <ac:picMkLst>
+            <pc:docMk/>
+            <pc:sldMk cId="2852406288" sldId="262"/>
+            <ac:picMk id="5" creationId="{5D88E643-7EBD-9CE5-B82F-B34AD718ED24}"/>
+          </ac:picMkLst>
+        </pc:picChg>
+        <pc:picChg chg="add mod">
+          <ac:chgData name="Jean Ketler RENE" userId="ba35d095b67bd199" providerId="LiveId" clId="{3EBED974-51D8-4C5C-8838-8CE47BB96208}" dt="2024-11-20T05:43:21.496" v="272" actId="14100"/>
+          <ac:picMkLst>
+            <pc:docMk/>
+            <pc:sldMk cId="2852406288" sldId="262"/>
+            <ac:picMk id="7" creationId="{EB309A5A-93DC-4220-B984-F185807C382A}"/>
+          </ac:picMkLst>
+        </pc:picChg>
+        <pc:picChg chg="add mod">
+          <ac:chgData name="Jean Ketler RENE" userId="ba35d095b67bd199" providerId="LiveId" clId="{3EBED974-51D8-4C5C-8838-8CE47BB96208}" dt="2024-11-20T05:43:03.316" v="269" actId="14100"/>
+          <ac:picMkLst>
+            <pc:docMk/>
+            <pc:sldMk cId="2852406288" sldId="262"/>
+            <ac:picMk id="9" creationId="{9904EDD0-CB74-79AF-7EC7-B01922FA1A66}"/>
+          </ac:picMkLst>
+        </pc:picChg>
+        <pc:picChg chg="add mod">
+          <ac:chgData name="Jean Ketler RENE" userId="ba35d095b67bd199" providerId="LiveId" clId="{3EBED974-51D8-4C5C-8838-8CE47BB96208}" dt="2024-11-20T05:40:20.826" v="249" actId="14100"/>
+          <ac:picMkLst>
+            <pc:docMk/>
+            <pc:sldMk cId="2852406288" sldId="262"/>
+            <ac:picMk id="11" creationId="{D340EC9E-3899-F0D9-232F-BF94FBEF7D2E}"/>
+          </ac:picMkLst>
+        </pc:picChg>
+        <pc:picChg chg="add mod">
+          <ac:chgData name="Jean Ketler RENE" userId="ba35d095b67bd199" providerId="LiveId" clId="{3EBED974-51D8-4C5C-8838-8CE47BB96208}" dt="2024-11-20T05:42:48.378" v="268" actId="14100"/>
+          <ac:picMkLst>
+            <pc:docMk/>
+            <pc:sldMk cId="2852406288" sldId="262"/>
+            <ac:picMk id="13" creationId="{1D3CBCB3-2C1A-8CF5-0B31-7A6B74D8542D}"/>
+          </ac:picMkLst>
+        </pc:picChg>
+      </pc:sldChg>
+      <pc:sldChg chg="new">
+        <pc:chgData name="Jean Ketler RENE" userId="ba35d095b67bd199" providerId="LiveId" clId="{3EBED974-51D8-4C5C-8838-8CE47BB96208}" dt="2024-11-20T05:43:29.100" v="273" actId="680"/>
+        <pc:sldMkLst>
+          <pc:docMk/>
+          <pc:sldMk cId="2175984905" sldId="263"/>
+        </pc:sldMkLst>
+      </pc:sldChg>
+      <pc:sldChg chg="modSp new mod">
+        <pc:chgData name="Jean Ketler RENE" userId="ba35d095b67bd199" providerId="LiveId" clId="{3EBED974-51D8-4C5C-8838-8CE47BB96208}" dt="2024-11-20T06:33:28.609" v="328" actId="14100"/>
+        <pc:sldMkLst>
+          <pc:docMk/>
+          <pc:sldMk cId="3577550897" sldId="264"/>
+        </pc:sldMkLst>
+        <pc:spChg chg="mod">
+          <ac:chgData name="Jean Ketler RENE" userId="ba35d095b67bd199" providerId="LiveId" clId="{3EBED974-51D8-4C5C-8838-8CE47BB96208}" dt="2024-11-20T06:32:59.389" v="323" actId="20577"/>
+          <ac:spMkLst>
+            <pc:docMk/>
+            <pc:sldMk cId="3577550897" sldId="264"/>
+            <ac:spMk id="2" creationId="{AF2DC20C-2DEB-C1E0-FB60-30285ADD4661}"/>
+          </ac:spMkLst>
+        </pc:spChg>
+        <pc:spChg chg="mod">
+          <ac:chgData name="Jean Ketler RENE" userId="ba35d095b67bd199" providerId="LiveId" clId="{3EBED974-51D8-4C5C-8838-8CE47BB96208}" dt="2024-11-20T06:33:28.609" v="328" actId="14100"/>
+          <ac:spMkLst>
+            <pc:docMk/>
+            <pc:sldMk cId="3577550897" sldId="264"/>
+            <ac:spMk id="3" creationId="{90537692-CD39-F1B0-EB66-1CBC98A9FA5E}"/>
+          </ac:spMkLst>
+        </pc:spChg>
+      </pc:sldChg>
+    </pc:docChg>
+  </pc:docChgLst>
+</pc:chgInfo>
 </file>
 
 <file path=ppt/slideLayouts/slideLayout1.xml><?xml version="1.0" encoding="utf-8"?>
@@ -297,7 +538,7 @@
           <a:p>
             <a:fld id="{9583B2AB-13B5-DD4D-8149-993FE0E16C72}" type="datetimeFigureOut">
               <a:rPr lang="en-US" smtClean="0"/>
-              <a:t>11/19/24</a:t>
+              <a:t>11/19/2024</a:t>
             </a:fld>
             <a:endParaRPr lang="en-US"/>
           </a:p>
@@ -572,7 +813,7 @@
           <a:p>
             <a:fld id="{9583B2AB-13B5-DD4D-8149-993FE0E16C72}" type="datetimeFigureOut">
               <a:rPr lang="en-US" smtClean="0"/>
-              <a:t>11/19/24</a:t>
+              <a:t>11/19/2024</a:t>
             </a:fld>
             <a:endParaRPr lang="en-US"/>
           </a:p>
@@ -766,7 +1007,7 @@
           <a:p>
             <a:fld id="{9583B2AB-13B5-DD4D-8149-993FE0E16C72}" type="datetimeFigureOut">
               <a:rPr lang="en-US" smtClean="0"/>
-              <a:t>11/19/24</a:t>
+              <a:t>11/19/2024</a:t>
             </a:fld>
             <a:endParaRPr lang="en-US"/>
           </a:p>
@@ -1039,7 +1280,7 @@
           <a:p>
             <a:fld id="{9583B2AB-13B5-DD4D-8149-993FE0E16C72}" type="datetimeFigureOut">
               <a:rPr lang="en-US" smtClean="0"/>
-              <a:t>11/19/24</a:t>
+              <a:t>11/19/2024</a:t>
             </a:fld>
             <a:endParaRPr lang="en-US"/>
           </a:p>
@@ -1380,7 +1621,7 @@
           <a:p>
             <a:fld id="{9583B2AB-13B5-DD4D-8149-993FE0E16C72}" type="datetimeFigureOut">
               <a:rPr lang="en-US" smtClean="0"/>
-              <a:t>11/19/24</a:t>
+              <a:t>11/19/2024</a:t>
             </a:fld>
             <a:endParaRPr lang="en-US"/>
           </a:p>
@@ -2003,7 +2244,7 @@
           <a:p>
             <a:fld id="{9583B2AB-13B5-DD4D-8149-993FE0E16C72}" type="datetimeFigureOut">
               <a:rPr lang="en-US" smtClean="0"/>
-              <a:t>11/19/24</a:t>
+              <a:t>11/19/2024</a:t>
             </a:fld>
             <a:endParaRPr lang="en-US"/>
           </a:p>
@@ -2863,7 +3104,7 @@
           <a:p>
             <a:fld id="{9583B2AB-13B5-DD4D-8149-993FE0E16C72}" type="datetimeFigureOut">
               <a:rPr lang="en-US" smtClean="0"/>
-              <a:t>11/19/24</a:t>
+              <a:t>11/19/2024</a:t>
             </a:fld>
             <a:endParaRPr lang="en-US"/>
           </a:p>
@@ -3033,7 +3274,7 @@
           <a:p>
             <a:fld id="{9583B2AB-13B5-DD4D-8149-993FE0E16C72}" type="datetimeFigureOut">
               <a:rPr lang="en-US" smtClean="0"/>
-              <a:t>11/19/24</a:t>
+              <a:t>11/19/2024</a:t>
             </a:fld>
             <a:endParaRPr lang="en-US"/>
           </a:p>
@@ -3213,7 +3454,7 @@
           <a:p>
             <a:fld id="{9583B2AB-13B5-DD4D-8149-993FE0E16C72}" type="datetimeFigureOut">
               <a:rPr lang="en-US" smtClean="0"/>
-              <a:t>11/19/24</a:t>
+              <a:t>11/19/2024</a:t>
             </a:fld>
             <a:endParaRPr lang="en-US"/>
           </a:p>
@@ -3383,7 +3624,7 @@
           <a:p>
             <a:fld id="{9583B2AB-13B5-DD4D-8149-993FE0E16C72}" type="datetimeFigureOut">
               <a:rPr lang="en-US" smtClean="0"/>
-              <a:t>11/19/24</a:t>
+              <a:t>11/19/2024</a:t>
             </a:fld>
             <a:endParaRPr lang="en-US"/>
           </a:p>
@@ -3630,7 +3871,7 @@
           <a:p>
             <a:fld id="{9583B2AB-13B5-DD4D-8149-993FE0E16C72}" type="datetimeFigureOut">
               <a:rPr lang="en-US" smtClean="0"/>
-              <a:t>11/19/24</a:t>
+              <a:t>11/19/2024</a:t>
             </a:fld>
             <a:endParaRPr lang="en-US"/>
           </a:p>
@@ -3922,7 +4163,7 @@
           <a:p>
             <a:fld id="{9583B2AB-13B5-DD4D-8149-993FE0E16C72}" type="datetimeFigureOut">
               <a:rPr lang="en-US" smtClean="0"/>
-              <a:t>11/19/24</a:t>
+              <a:t>11/19/2024</a:t>
             </a:fld>
             <a:endParaRPr lang="en-US"/>
           </a:p>
@@ -4366,7 +4607,7 @@
           <a:p>
             <a:fld id="{9583B2AB-13B5-DD4D-8149-993FE0E16C72}" type="datetimeFigureOut">
               <a:rPr lang="en-US" smtClean="0"/>
-              <a:t>11/19/24</a:t>
+              <a:t>11/19/2024</a:t>
             </a:fld>
             <a:endParaRPr lang="en-US"/>
           </a:p>
@@ -4484,7 +4725,7 @@
           <a:p>
             <a:fld id="{9583B2AB-13B5-DD4D-8149-993FE0E16C72}" type="datetimeFigureOut">
               <a:rPr lang="en-US" smtClean="0"/>
-              <a:t>11/19/24</a:t>
+              <a:t>11/19/2024</a:t>
             </a:fld>
             <a:endParaRPr lang="en-US"/>
           </a:p>
@@ -4579,7 +4820,7 @@
           <a:p>
             <a:fld id="{9583B2AB-13B5-DD4D-8149-993FE0E16C72}" type="datetimeFigureOut">
               <a:rPr lang="en-US" smtClean="0"/>
-              <a:t>11/19/24</a:t>
+              <a:t>11/19/2024</a:t>
             </a:fld>
             <a:endParaRPr lang="en-US"/>
           </a:p>
@@ -4858,7 +5099,7 @@
           <a:p>
             <a:fld id="{9583B2AB-13B5-DD4D-8149-993FE0E16C72}" type="datetimeFigureOut">
               <a:rPr lang="en-US" smtClean="0"/>
-              <a:t>11/19/24</a:t>
+              <a:t>11/19/2024</a:t>
             </a:fld>
             <a:endParaRPr lang="en-US"/>
           </a:p>
@@ -5133,7 +5374,7 @@
           <a:p>
             <a:fld id="{9583B2AB-13B5-DD4D-8149-993FE0E16C72}" type="datetimeFigureOut">
               <a:rPr lang="en-US" smtClean="0"/>
-              <a:t>11/19/24</a:t>
+              <a:t>11/19/2024</a:t>
             </a:fld>
             <a:endParaRPr lang="en-US"/>
           </a:p>
@@ -5562,7 +5803,7 @@
           <a:p>
             <a:fld id="{9583B2AB-13B5-DD4D-8149-993FE0E16C72}" type="datetimeFigureOut">
               <a:rPr lang="en-US" smtClean="0"/>
-              <a:t>11/19/24</a:t>
+              <a:t>11/19/2024</a:t>
             </a:fld>
             <a:endParaRPr lang="en-US"/>
           </a:p>
@@ -6460,10 +6701,9 @@
           <a:lstStyle/>
           <a:p>
             <a:r>
-              <a:rPr lang="en-US"/>
+              <a:rPr lang="en-US" dirty="0"/>
               <a:t>Database Adjustments</a:t>
             </a:r>
-            <a:endParaRPr lang="en-US" dirty="0"/>
           </a:p>
         </p:txBody>
       </p:sp>
@@ -6624,7 +6864,7 @@
             </a:extLst>
           </p:cNvPr>
           <p:cNvPicPr>
-            <a:picLocks noChangeAspect="1"/>
+            <a:picLocks noGrp="1" noChangeAspect="1"/>
           </p:cNvPicPr>
           <p:nvPr>
             <p:ph idx="1"/>
@@ -6735,7 +6975,23 @@
                   <a:schemeClr val="bg1"/>
                 </a:solidFill>
               </a:rPr>
-              <a:t>+applyDiscount()</a:t>
+              <a:t>+</a:t>
+            </a:r>
+            <a:r>
+              <a:rPr lang="en-US" sz="1200" dirty="0" err="1">
+                <a:solidFill>
+                  <a:schemeClr val="bg1"/>
+                </a:solidFill>
+              </a:rPr>
+              <a:t>applyDiscount</a:t>
+            </a:r>
+            <a:r>
+              <a:rPr lang="en-US" sz="1200" dirty="0">
+                <a:solidFill>
+                  <a:schemeClr val="bg1"/>
+                </a:solidFill>
+              </a:rPr>
+              <a:t>()</a:t>
             </a:r>
           </a:p>
         </p:txBody>
@@ -7243,6 +7499,701 @@
     <p:extLst>
       <p:ext uri="{BB962C8B-B14F-4D97-AF65-F5344CB8AC3E}">
         <p14:creationId xmlns:p14="http://schemas.microsoft.com/office/powerpoint/2010/main" val="2883168251"/>
+      </p:ext>
+    </p:extLst>
+  </p:cSld>
+  <p:clrMapOvr>
+    <a:masterClrMapping/>
+  </p:clrMapOvr>
+</p:sld>
+</file>
+
+<file path=ppt/slides/slide6.xml><?xml version="1.0" encoding="utf-8"?>
+<p:sld xmlns:a="http://schemas.openxmlformats.org/drawingml/2006/main" xmlns:r="http://schemas.openxmlformats.org/officeDocument/2006/relationships" xmlns:p="http://schemas.openxmlformats.org/presentationml/2006/main">
+  <p:cSld>
+    <p:spTree>
+      <p:nvGrpSpPr>
+        <p:cNvPr id="1" name=""/>
+        <p:cNvGrpSpPr/>
+        <p:nvPr/>
+      </p:nvGrpSpPr>
+      <p:grpSpPr>
+        <a:xfrm>
+          <a:off x="0" y="0"/>
+          <a:ext cx="0" cy="0"/>
+          <a:chOff x="0" y="0"/>
+          <a:chExt cx="0" cy="0"/>
+        </a:xfrm>
+      </p:grpSpPr>
+      <p:sp>
+        <p:nvSpPr>
+          <p:cNvPr id="2" name="Title 1">
+            <a:extLst>
+              <a:ext uri="{FF2B5EF4-FFF2-40B4-BE49-F238E27FC236}">
+                <a16:creationId xmlns:a16="http://schemas.microsoft.com/office/drawing/2014/main" id="{6B44BC64-6311-ACCF-BEF8-1DF27261B1FC}"/>
+              </a:ext>
+            </a:extLst>
+          </p:cNvPr>
+          <p:cNvSpPr>
+            <a:spLocks noGrp="1"/>
+          </p:cNvSpPr>
+          <p:nvPr>
+            <p:ph type="title"/>
+          </p:nvPr>
+        </p:nvSpPr>
+        <p:spPr/>
+        <p:txBody>
+          <a:bodyPr/>
+          <a:lstStyle/>
+          <a:p>
+            <a:r>
+              <a:rPr lang="en-US" dirty="0"/>
+              <a:t>Add Product Line Functionality</a:t>
+            </a:r>
+          </a:p>
+        </p:txBody>
+      </p:sp>
+      <p:sp>
+        <p:nvSpPr>
+          <p:cNvPr id="3" name="Content Placeholder 2">
+            <a:extLst>
+              <a:ext uri="{FF2B5EF4-FFF2-40B4-BE49-F238E27FC236}">
+                <a16:creationId xmlns:a16="http://schemas.microsoft.com/office/drawing/2014/main" id="{D1CF182D-207A-3DF6-3C1D-59B01F405D0B}"/>
+              </a:ext>
+            </a:extLst>
+          </p:cNvPr>
+          <p:cNvSpPr>
+            <a:spLocks noGrp="1"/>
+          </p:cNvSpPr>
+          <p:nvPr>
+            <p:ph idx="1"/>
+          </p:nvPr>
+        </p:nvSpPr>
+        <p:spPr>
+          <a:xfrm>
+            <a:off x="646112" y="1251857"/>
+            <a:ext cx="10762118" cy="5519057"/>
+          </a:xfrm>
+        </p:spPr>
+        <p:txBody>
+          <a:bodyPr>
+            <a:normAutofit/>
+          </a:bodyPr>
+          <a:lstStyle/>
+          <a:p>
+            <a:pPr>
+              <a:buFont typeface="Arial" panose="020B0604020202020204" pitchFamily="34" charset="0"/>
+              <a:buChar char="•"/>
+            </a:pPr>
+            <a:r>
+              <a:rPr lang="en-US" sz="1800" dirty="0"/>
+              <a:t>Update the Database to include a add product line table with attributes:</a:t>
+            </a:r>
+          </a:p>
+          <a:p>
+            <a:pPr>
+              <a:buFont typeface="Arial" panose="020B0604020202020204" pitchFamily="34" charset="0"/>
+              <a:buChar char="•"/>
+            </a:pPr>
+            <a:r>
+              <a:rPr lang="en-US" sz="1800" dirty="0"/>
+              <a:t>CREATE TABLE IF NOT EXISTS `shopping-cart`.`</a:t>
+            </a:r>
+            <a:r>
+              <a:rPr lang="en-US" sz="1800" dirty="0" err="1"/>
+              <a:t>product_line</a:t>
+            </a:r>
+            <a:r>
+              <a:rPr lang="en-US" sz="1800" dirty="0"/>
+              <a:t>` (</a:t>
+            </a:r>
+          </a:p>
+          <a:p>
+            <a:pPr>
+              <a:buFont typeface="Arial" panose="020B0604020202020204" pitchFamily="34" charset="0"/>
+              <a:buChar char="•"/>
+            </a:pPr>
+            <a:r>
+              <a:rPr lang="en-US" sz="1800" dirty="0"/>
+              <a:t>  `</a:t>
+            </a:r>
+            <a:r>
+              <a:rPr lang="en-US" sz="1800" dirty="0" err="1"/>
+              <a:t>line_id</a:t>
+            </a:r>
+            <a:r>
+              <a:rPr lang="en-US" sz="1800" dirty="0"/>
+              <a:t>` The </a:t>
+            </a:r>
+            <a:r>
+              <a:rPr lang="en-US" sz="1800" dirty="0" err="1"/>
+              <a:t>line_id</a:t>
+            </a:r>
+            <a:r>
+              <a:rPr lang="en-US" sz="1800" dirty="0"/>
+              <a:t> serves as a unique identifier for each product line in the </a:t>
+            </a:r>
+            <a:r>
+              <a:rPr lang="en-US" sz="1800" dirty="0" err="1"/>
+              <a:t>product_line</a:t>
+            </a:r>
+            <a:r>
+              <a:rPr lang="en-US" sz="1800" dirty="0"/>
+              <a:t> table. VARCHAR(45) NOT NULL,</a:t>
+            </a:r>
+          </a:p>
+          <a:p>
+            <a:pPr>
+              <a:buFont typeface="Arial" panose="020B0604020202020204" pitchFamily="34" charset="0"/>
+              <a:buChar char="•"/>
+            </a:pPr>
+            <a:r>
+              <a:rPr lang="en-US" sz="1800" dirty="0"/>
+              <a:t>  `</a:t>
+            </a:r>
+            <a:r>
+              <a:rPr lang="en-US" sz="1800" dirty="0" err="1"/>
+              <a:t>line_name</a:t>
+            </a:r>
+            <a:r>
+              <a:rPr lang="en-US" sz="1800" dirty="0"/>
+              <a:t>` </a:t>
+            </a:r>
+            <a:r>
+              <a:rPr lang="en-US" sz="1800" dirty="0" err="1"/>
+              <a:t>line_name</a:t>
+            </a:r>
+            <a:r>
+              <a:rPr lang="en-US" sz="1800" dirty="0"/>
+              <a:t> provides a clear and descriptive name for each product line, making it easier for users to identify and understand the category or type of products that belong to that line. VARCHAR(100) NOT NULL,</a:t>
+            </a:r>
+          </a:p>
+          <a:p>
+            <a:pPr>
+              <a:buFont typeface="Arial" panose="020B0604020202020204" pitchFamily="34" charset="0"/>
+              <a:buChar char="•"/>
+            </a:pPr>
+            <a:r>
+              <a:rPr lang="en-US" sz="1800" dirty="0"/>
+              <a:t>  `</a:t>
+            </a:r>
+            <a:r>
+              <a:rPr lang="en-US" sz="1800" dirty="0" err="1"/>
+              <a:t>line_description</a:t>
+            </a:r>
+            <a:r>
+              <a:rPr lang="en-US" sz="1800" dirty="0"/>
+              <a:t>` </a:t>
+            </a:r>
+            <a:r>
+              <a:rPr lang="en-US" sz="1800" dirty="0" err="1"/>
+              <a:t>line_description</a:t>
+            </a:r>
+            <a:r>
+              <a:rPr lang="en-US" sz="1800" dirty="0"/>
+              <a:t> offers a more comprehensive explanation of what the product line encompasses. VARCHAR(350) NULL DEFAULT NULL,</a:t>
+            </a:r>
+          </a:p>
+          <a:p>
+            <a:pPr>
+              <a:buFont typeface="Arial" panose="020B0604020202020204" pitchFamily="34" charset="0"/>
+              <a:buChar char="•"/>
+            </a:pPr>
+            <a:r>
+              <a:rPr lang="en-US" sz="1800" dirty="0"/>
+              <a:t>Create class:</a:t>
+            </a:r>
+          </a:p>
+          <a:p>
+            <a:pPr>
+              <a:buFont typeface="Arial" panose="020B0604020202020204" pitchFamily="34" charset="0"/>
+              <a:buChar char="•"/>
+            </a:pPr>
+            <a:r>
+              <a:rPr lang="en-US" sz="1800" dirty="0" err="1"/>
+              <a:t>ProductLineBean</a:t>
+            </a:r>
+            <a:endParaRPr lang="en-US" sz="1800" dirty="0"/>
+          </a:p>
+          <a:p>
+            <a:pPr>
+              <a:buFont typeface="Arial" panose="020B0604020202020204" pitchFamily="34" charset="0"/>
+              <a:buChar char="•"/>
+            </a:pPr>
+            <a:r>
+              <a:rPr lang="en-US" sz="1800" dirty="0" err="1"/>
+              <a:t>ProductLineService</a:t>
+            </a:r>
+            <a:endParaRPr lang="en-US" sz="1800" dirty="0"/>
+          </a:p>
+          <a:p>
+            <a:pPr>
+              <a:buFont typeface="Arial" panose="020B0604020202020204" pitchFamily="34" charset="0"/>
+              <a:buChar char="•"/>
+            </a:pPr>
+            <a:r>
+              <a:rPr lang="en-US" sz="1800" dirty="0" err="1"/>
+              <a:t>ProductLineServiceImp</a:t>
+            </a:r>
+            <a:endParaRPr lang="en-US" sz="1800" dirty="0"/>
+          </a:p>
+          <a:p>
+            <a:pPr>
+              <a:buFont typeface="Arial" panose="020B0604020202020204" pitchFamily="34" charset="0"/>
+              <a:buChar char="•"/>
+            </a:pPr>
+            <a:endParaRPr lang="en-US" dirty="0"/>
+          </a:p>
+        </p:txBody>
+      </p:sp>
+    </p:spTree>
+    <p:extLst>
+      <p:ext uri="{BB962C8B-B14F-4D97-AF65-F5344CB8AC3E}">
+        <p14:creationId xmlns:p14="http://schemas.microsoft.com/office/powerpoint/2010/main" val="3337679506"/>
+      </p:ext>
+    </p:extLst>
+  </p:cSld>
+  <p:clrMapOvr>
+    <a:masterClrMapping/>
+  </p:clrMapOvr>
+</p:sld>
+</file>
+
+<file path=ppt/slides/slide7.xml><?xml version="1.0" encoding="utf-8"?>
+<p:sld xmlns:a="http://schemas.openxmlformats.org/drawingml/2006/main" xmlns:r="http://schemas.openxmlformats.org/officeDocument/2006/relationships" xmlns:p="http://schemas.openxmlformats.org/presentationml/2006/main">
+  <p:cSld>
+    <p:spTree>
+      <p:nvGrpSpPr>
+        <p:cNvPr id="1" name=""/>
+        <p:cNvGrpSpPr/>
+        <p:nvPr/>
+      </p:nvGrpSpPr>
+      <p:grpSpPr>
+        <a:xfrm>
+          <a:off x="0" y="0"/>
+          <a:ext cx="0" cy="0"/>
+          <a:chOff x="0" y="0"/>
+          <a:chExt cx="0" cy="0"/>
+        </a:xfrm>
+      </p:grpSpPr>
+      <p:sp>
+        <p:nvSpPr>
+          <p:cNvPr id="2" name="Title 1">
+            <a:extLst>
+              <a:ext uri="{FF2B5EF4-FFF2-40B4-BE49-F238E27FC236}">
+                <a16:creationId xmlns:a16="http://schemas.microsoft.com/office/drawing/2014/main" id="{B8829272-AA85-4122-EBF0-EEB50663DC8E}"/>
+              </a:ext>
+            </a:extLst>
+          </p:cNvPr>
+          <p:cNvSpPr>
+            <a:spLocks noGrp="1"/>
+          </p:cNvSpPr>
+          <p:nvPr>
+            <p:ph type="title"/>
+          </p:nvPr>
+        </p:nvSpPr>
+        <p:spPr/>
+        <p:txBody>
+          <a:bodyPr/>
+          <a:lstStyle/>
+          <a:p>
+            <a:r>
+              <a:rPr lang="en-US" dirty="0"/>
+              <a:t>Database Adjustments</a:t>
+            </a:r>
+          </a:p>
+        </p:txBody>
+      </p:sp>
+      <p:pic>
+        <p:nvPicPr>
+          <p:cNvPr id="5" name="Content Placeholder 4">
+            <a:extLst>
+              <a:ext uri="{FF2B5EF4-FFF2-40B4-BE49-F238E27FC236}">
+                <a16:creationId xmlns:a16="http://schemas.microsoft.com/office/drawing/2014/main" id="{5D88E643-7EBD-9CE5-B82F-B34AD718ED24}"/>
+              </a:ext>
+            </a:extLst>
+          </p:cNvPr>
+          <p:cNvPicPr>
+            <a:picLocks noGrp="1" noChangeAspect="1"/>
+          </p:cNvPicPr>
+          <p:nvPr>
+            <p:ph idx="1"/>
+          </p:nvPr>
+        </p:nvPicPr>
+        <p:blipFill>
+          <a:blip r:embed="rId2"/>
+          <a:stretch>
+            <a:fillRect/>
+          </a:stretch>
+        </p:blipFill>
+        <p:spPr>
+          <a:xfrm>
+            <a:off x="555172" y="1102770"/>
+            <a:ext cx="5747657" cy="3153544"/>
+          </a:xfrm>
+        </p:spPr>
+      </p:pic>
+      <p:pic>
+        <p:nvPicPr>
+          <p:cNvPr id="7" name="Picture 6">
+            <a:extLst>
+              <a:ext uri="{FF2B5EF4-FFF2-40B4-BE49-F238E27FC236}">
+                <a16:creationId xmlns:a16="http://schemas.microsoft.com/office/drawing/2014/main" id="{EB309A5A-93DC-4220-B984-F185807C382A}"/>
+              </a:ext>
+            </a:extLst>
+          </p:cNvPr>
+          <p:cNvPicPr>
+            <a:picLocks noChangeAspect="1"/>
+          </p:cNvPicPr>
+          <p:nvPr/>
+        </p:nvPicPr>
+        <p:blipFill>
+          <a:blip r:embed="rId3"/>
+          <a:stretch>
+            <a:fillRect/>
+          </a:stretch>
+        </p:blipFill>
+        <p:spPr>
+          <a:xfrm>
+            <a:off x="6393768" y="1102771"/>
+            <a:ext cx="5798231" cy="3153543"/>
+          </a:xfrm>
+          <a:prstGeom prst="rect">
+            <a:avLst/>
+          </a:prstGeom>
+        </p:spPr>
+      </p:pic>
+      <p:pic>
+        <p:nvPicPr>
+          <p:cNvPr id="9" name="Picture 8">
+            <a:extLst>
+              <a:ext uri="{FF2B5EF4-FFF2-40B4-BE49-F238E27FC236}">
+                <a16:creationId xmlns:a16="http://schemas.microsoft.com/office/drawing/2014/main" id="{9904EDD0-CB74-79AF-7EC7-B01922FA1A66}"/>
+              </a:ext>
+            </a:extLst>
+          </p:cNvPr>
+          <p:cNvPicPr>
+            <a:picLocks noChangeAspect="1"/>
+          </p:cNvPicPr>
+          <p:nvPr/>
+        </p:nvPicPr>
+        <p:blipFill>
+          <a:blip r:embed="rId4"/>
+          <a:stretch>
+            <a:fillRect/>
+          </a:stretch>
+        </p:blipFill>
+        <p:spPr>
+          <a:xfrm>
+            <a:off x="9481457" y="4256315"/>
+            <a:ext cx="2478089" cy="1240972"/>
+          </a:xfrm>
+          <a:prstGeom prst="rect">
+            <a:avLst/>
+          </a:prstGeom>
+        </p:spPr>
+      </p:pic>
+      <p:pic>
+        <p:nvPicPr>
+          <p:cNvPr id="11" name="Picture 10">
+            <a:extLst>
+              <a:ext uri="{FF2B5EF4-FFF2-40B4-BE49-F238E27FC236}">
+                <a16:creationId xmlns:a16="http://schemas.microsoft.com/office/drawing/2014/main" id="{D340EC9E-3899-F0D9-232F-BF94FBEF7D2E}"/>
+              </a:ext>
+            </a:extLst>
+          </p:cNvPr>
+          <p:cNvPicPr>
+            <a:picLocks noChangeAspect="1"/>
+          </p:cNvPicPr>
+          <p:nvPr/>
+        </p:nvPicPr>
+        <p:blipFill>
+          <a:blip r:embed="rId5"/>
+          <a:stretch>
+            <a:fillRect/>
+          </a:stretch>
+        </p:blipFill>
+        <p:spPr>
+          <a:xfrm>
+            <a:off x="76200" y="4463143"/>
+            <a:ext cx="6672943" cy="1665514"/>
+          </a:xfrm>
+          <a:prstGeom prst="rect">
+            <a:avLst/>
+          </a:prstGeom>
+        </p:spPr>
+      </p:pic>
+      <p:pic>
+        <p:nvPicPr>
+          <p:cNvPr id="13" name="Picture 12">
+            <a:extLst>
+              <a:ext uri="{FF2B5EF4-FFF2-40B4-BE49-F238E27FC236}">
+                <a16:creationId xmlns:a16="http://schemas.microsoft.com/office/drawing/2014/main" id="{1D3CBCB3-2C1A-8CF5-0B31-7A6B74D8542D}"/>
+              </a:ext>
+            </a:extLst>
+          </p:cNvPr>
+          <p:cNvPicPr>
+            <a:picLocks noChangeAspect="1"/>
+          </p:cNvPicPr>
+          <p:nvPr/>
+        </p:nvPicPr>
+        <p:blipFill>
+          <a:blip r:embed="rId6"/>
+          <a:stretch>
+            <a:fillRect/>
+          </a:stretch>
+        </p:blipFill>
+        <p:spPr>
+          <a:xfrm>
+            <a:off x="6662057" y="4528457"/>
+            <a:ext cx="2819400" cy="1600200"/>
+          </a:xfrm>
+          <a:prstGeom prst="rect">
+            <a:avLst/>
+          </a:prstGeom>
+        </p:spPr>
+      </p:pic>
+    </p:spTree>
+    <p:extLst>
+      <p:ext uri="{BB962C8B-B14F-4D97-AF65-F5344CB8AC3E}">
+        <p14:creationId xmlns:p14="http://schemas.microsoft.com/office/powerpoint/2010/main" val="2852406288"/>
+      </p:ext>
+    </p:extLst>
+  </p:cSld>
+  <p:clrMapOvr>
+    <a:masterClrMapping/>
+  </p:clrMapOvr>
+</p:sld>
+</file>
+
+<file path=ppt/slides/slide8.xml><?xml version="1.0" encoding="utf-8"?>
+<p:sld xmlns:a="http://schemas.openxmlformats.org/drawingml/2006/main" xmlns:r="http://schemas.openxmlformats.org/officeDocument/2006/relationships" xmlns:p="http://schemas.openxmlformats.org/presentationml/2006/main">
+  <p:cSld>
+    <p:spTree>
+      <p:nvGrpSpPr>
+        <p:cNvPr id="1" name=""/>
+        <p:cNvGrpSpPr/>
+        <p:nvPr/>
+      </p:nvGrpSpPr>
+      <p:grpSpPr>
+        <a:xfrm>
+          <a:off x="0" y="0"/>
+          <a:ext cx="0" cy="0"/>
+          <a:chOff x="0" y="0"/>
+          <a:chExt cx="0" cy="0"/>
+        </a:xfrm>
+      </p:grpSpPr>
+      <p:sp>
+        <p:nvSpPr>
+          <p:cNvPr id="2" name="Title 1">
+            <a:extLst>
+              <a:ext uri="{FF2B5EF4-FFF2-40B4-BE49-F238E27FC236}">
+                <a16:creationId xmlns:a16="http://schemas.microsoft.com/office/drawing/2014/main" id="{409B9C94-18F0-F1CD-237C-B96F005FC52E}"/>
+              </a:ext>
+            </a:extLst>
+          </p:cNvPr>
+          <p:cNvSpPr>
+            <a:spLocks noGrp="1"/>
+          </p:cNvSpPr>
+          <p:nvPr>
+            <p:ph type="title"/>
+          </p:nvPr>
+        </p:nvSpPr>
+        <p:spPr/>
+        <p:txBody>
+          <a:bodyPr/>
+          <a:lstStyle/>
+          <a:p>
+            <a:endParaRPr lang="en-US"/>
+          </a:p>
+        </p:txBody>
+      </p:sp>
+      <p:sp>
+        <p:nvSpPr>
+          <p:cNvPr id="3" name="Content Placeholder 2">
+            <a:extLst>
+              <a:ext uri="{FF2B5EF4-FFF2-40B4-BE49-F238E27FC236}">
+                <a16:creationId xmlns:a16="http://schemas.microsoft.com/office/drawing/2014/main" id="{9CB6CCBE-0CC3-BAE3-F7DE-F3D43B10A4B0}"/>
+              </a:ext>
+            </a:extLst>
+          </p:cNvPr>
+          <p:cNvSpPr>
+            <a:spLocks noGrp="1"/>
+          </p:cNvSpPr>
+          <p:nvPr>
+            <p:ph idx="1"/>
+          </p:nvPr>
+        </p:nvSpPr>
+        <p:spPr/>
+        <p:txBody>
+          <a:bodyPr/>
+          <a:lstStyle/>
+          <a:p>
+            <a:endParaRPr lang="en-US"/>
+          </a:p>
+        </p:txBody>
+      </p:sp>
+    </p:spTree>
+    <p:extLst>
+      <p:ext uri="{BB962C8B-B14F-4D97-AF65-F5344CB8AC3E}">
+        <p14:creationId xmlns:p14="http://schemas.microsoft.com/office/powerpoint/2010/main" val="2175984905"/>
+      </p:ext>
+    </p:extLst>
+  </p:cSld>
+  <p:clrMapOvr>
+    <a:masterClrMapping/>
+  </p:clrMapOvr>
+</p:sld>
+</file>
+
+<file path=ppt/slides/slide9.xml><?xml version="1.0" encoding="utf-8"?>
+<p:sld xmlns:a="http://schemas.openxmlformats.org/drawingml/2006/main" xmlns:r="http://schemas.openxmlformats.org/officeDocument/2006/relationships" xmlns:p="http://schemas.openxmlformats.org/presentationml/2006/main">
+  <p:cSld>
+    <p:spTree>
+      <p:nvGrpSpPr>
+        <p:cNvPr id="1" name=""/>
+        <p:cNvGrpSpPr/>
+        <p:nvPr/>
+      </p:nvGrpSpPr>
+      <p:grpSpPr>
+        <a:xfrm>
+          <a:off x="0" y="0"/>
+          <a:ext cx="0" cy="0"/>
+          <a:chOff x="0" y="0"/>
+          <a:chExt cx="0" cy="0"/>
+        </a:xfrm>
+      </p:grpSpPr>
+      <p:sp>
+        <p:nvSpPr>
+          <p:cNvPr id="2" name="Title 1">
+            <a:extLst>
+              <a:ext uri="{FF2B5EF4-FFF2-40B4-BE49-F238E27FC236}">
+                <a16:creationId xmlns:a16="http://schemas.microsoft.com/office/drawing/2014/main" id="{AF2DC20C-2DEB-C1E0-FB60-30285ADD4661}"/>
+              </a:ext>
+            </a:extLst>
+          </p:cNvPr>
+          <p:cNvSpPr>
+            <a:spLocks noGrp="1"/>
+          </p:cNvSpPr>
+          <p:nvPr>
+            <p:ph type="title"/>
+          </p:nvPr>
+        </p:nvSpPr>
+        <p:spPr/>
+        <p:txBody>
+          <a:bodyPr/>
+          <a:lstStyle/>
+          <a:p>
+            <a:r>
+              <a:rPr lang="en-US" dirty="0"/>
+              <a:t>SOLID</a:t>
+            </a:r>
+          </a:p>
+        </p:txBody>
+      </p:sp>
+      <p:sp>
+        <p:nvSpPr>
+          <p:cNvPr id="3" name="Content Placeholder 2">
+            <a:extLst>
+              <a:ext uri="{FF2B5EF4-FFF2-40B4-BE49-F238E27FC236}">
+                <a16:creationId xmlns:a16="http://schemas.microsoft.com/office/drawing/2014/main" id="{90537692-CD39-F1B0-EB66-1CBC98A9FA5E}"/>
+              </a:ext>
+            </a:extLst>
+          </p:cNvPr>
+          <p:cNvSpPr>
+            <a:spLocks noGrp="1"/>
+          </p:cNvSpPr>
+          <p:nvPr>
+            <p:ph idx="1"/>
+          </p:nvPr>
+        </p:nvSpPr>
+        <p:spPr>
+          <a:xfrm>
+            <a:off x="478972" y="1110344"/>
+            <a:ext cx="9404723" cy="4942113"/>
+          </a:xfrm>
+        </p:spPr>
+        <p:txBody>
+          <a:bodyPr>
+            <a:normAutofit fontScale="92500" lnSpcReduction="10000"/>
+          </a:bodyPr>
+          <a:lstStyle/>
+          <a:p>
+            <a:r>
+              <a:rPr lang="en-US" dirty="0"/>
+              <a:t>Single Responsibility Principle (SRP): Each class handles a specific task, such as data representation or a particular product line operation.</a:t>
+            </a:r>
+          </a:p>
+          <a:p>
+            <a:endParaRPr lang="en-US" dirty="0"/>
+          </a:p>
+          <a:p>
+            <a:r>
+              <a:rPr lang="en-US" dirty="0"/>
+              <a:t>Open/Closed Principle (OCP): The system is extendable with new strategies without altering existing code.</a:t>
+            </a:r>
+          </a:p>
+          <a:p>
+            <a:endParaRPr lang="en-US" dirty="0"/>
+          </a:p>
+          <a:p>
+            <a:r>
+              <a:rPr lang="en-US" dirty="0" err="1"/>
+              <a:t>Liskov</a:t>
+            </a:r>
+            <a:r>
+              <a:rPr lang="en-US" dirty="0"/>
+              <a:t> Substitution Principle (LSP): Concrete strategy classes can replace the </a:t>
+            </a:r>
+            <a:r>
+              <a:rPr lang="en-US" dirty="0" err="1"/>
+              <a:t>ProductLineService</a:t>
+            </a:r>
+            <a:r>
+              <a:rPr lang="en-US" dirty="0"/>
+              <a:t> interface without affecting functionality.</a:t>
+            </a:r>
+          </a:p>
+          <a:p>
+            <a:endParaRPr lang="en-US" dirty="0"/>
+          </a:p>
+          <a:p>
+            <a:r>
+              <a:rPr lang="en-US" dirty="0"/>
+              <a:t>Interface Segregation Principle (ISP): The </a:t>
+            </a:r>
+            <a:r>
+              <a:rPr lang="en-US" dirty="0" err="1"/>
+              <a:t>ProductLineService</a:t>
+            </a:r>
+            <a:r>
+              <a:rPr lang="en-US" dirty="0"/>
+              <a:t> interface is focused, requiring only relevant methods for implementation.</a:t>
+            </a:r>
+          </a:p>
+          <a:p>
+            <a:endParaRPr lang="en-US" dirty="0"/>
+          </a:p>
+          <a:p>
+            <a:r>
+              <a:rPr lang="en-US" dirty="0"/>
+              <a:t>Dependency Inversion Principle (DIP): The context relies on the </a:t>
+            </a:r>
+            <a:r>
+              <a:rPr lang="en-US" dirty="0" err="1"/>
+              <a:t>ProductLineService</a:t>
+            </a:r>
+            <a:r>
+              <a:rPr lang="en-US" dirty="0"/>
+              <a:t> interface, allowing easy swapping of strategies.</a:t>
+            </a:r>
+          </a:p>
+        </p:txBody>
+      </p:sp>
+    </p:spTree>
+    <p:extLst>
+      <p:ext uri="{BB962C8B-B14F-4D97-AF65-F5344CB8AC3E}">
+        <p14:creationId xmlns:p14="http://schemas.microsoft.com/office/powerpoint/2010/main" val="3577550897"/>
       </p:ext>
     </p:extLst>
   </p:cSld>

--- a/SWEPresentation.pptx
+++ b/SWEPresentation.pptx
@@ -12,7 +12,7 @@
     <p:sldId id="260" r:id="rId6"/>
     <p:sldId id="261" r:id="rId7"/>
     <p:sldId id="262" r:id="rId8"/>
-    <p:sldId id="263" r:id="rId9"/>
+    <p:sldId id="265" r:id="rId9"/>
     <p:sldId id="264" r:id="rId10"/>
   </p:sldIdLst>
   <p:sldSz cx="12192000" cy="6858000"/>
@@ -124,232 +124,10 @@
 <p1510:revInfo xmlns:a="http://schemas.openxmlformats.org/drawingml/2006/main" xmlns:r="http://schemas.openxmlformats.org/officeDocument/2006/relationships" xmlns:p1510="http://schemas.microsoft.com/office/powerpoint/2015/10/main">
   <p1510:revLst>
     <p1510:client id="{3EBED974-51D8-4C5C-8838-8CE47BB96208}" v="42" dt="2024-11-20T05:23:50.471"/>
+    <p1510:client id="{85175F07-9A89-2019-E5C3-35BAC5B83442}" v="51" dt="2024-11-20T07:57:15.044"/>
+    <p1510:client id="{C8BDAED8-0E4D-CFA0-ACE5-7DCA2D52560E}" v="1" dt="2024-11-20T06:53:20.891"/>
   </p1510:revLst>
 </p1510:revInfo>
-</file>
-
-<file path=ppt/changesInfos/changesInfo1.xml><?xml version="1.0" encoding="utf-8"?>
-<pc:chgInfo xmlns:a="http://schemas.openxmlformats.org/drawingml/2006/main" xmlns:r="http://schemas.openxmlformats.org/officeDocument/2006/relationships" xmlns:ac="http://schemas.microsoft.com/office/drawing/2013/main/command" xmlns:pc="http://schemas.microsoft.com/office/powerpoint/2013/main/command">
-  <pc:docChgLst>
-    <pc:chgData name="Jean Ketler RENE" userId="ba35d095b67bd199" providerId="LiveId" clId="{3EBED974-51D8-4C5C-8838-8CE47BB96208}"/>
-    <pc:docChg chg="undo redo custSel addSld delSld modSld">
-      <pc:chgData name="Jean Ketler RENE" userId="ba35d095b67bd199" providerId="LiveId" clId="{3EBED974-51D8-4C5C-8838-8CE47BB96208}" dt="2024-11-20T06:33:28.609" v="328" actId="14100"/>
-      <pc:docMkLst>
-        <pc:docMk/>
-      </pc:docMkLst>
-      <pc:sldChg chg="addSp delSp modSp mod">
-        <pc:chgData name="Jean Ketler RENE" userId="ba35d095b67bd199" providerId="LiveId" clId="{3EBED974-51D8-4C5C-8838-8CE47BB96208}" dt="2024-11-20T06:25:26.662" v="310" actId="478"/>
-        <pc:sldMkLst>
-          <pc:docMk/>
-          <pc:sldMk cId="1382873098" sldId="259"/>
-        </pc:sldMkLst>
-        <pc:spChg chg="mod">
-          <ac:chgData name="Jean Ketler RENE" userId="ba35d095b67bd199" providerId="LiveId" clId="{3EBED974-51D8-4C5C-8838-8CE47BB96208}" dt="2024-11-20T06:25:15.526" v="308" actId="20577"/>
-          <ac:spMkLst>
-            <pc:docMk/>
-            <pc:sldMk cId="1382873098" sldId="259"/>
-            <ac:spMk id="15" creationId="{030F9E64-85A5-C09C-18C2-00F5CBB90F64}"/>
-          </ac:spMkLst>
-        </pc:spChg>
-        <pc:spChg chg="add del">
-          <ac:chgData name="Jean Ketler RENE" userId="ba35d095b67bd199" providerId="LiveId" clId="{3EBED974-51D8-4C5C-8838-8CE47BB96208}" dt="2024-11-20T06:25:26.662" v="310" actId="478"/>
-          <ac:spMkLst>
-            <pc:docMk/>
-            <pc:sldMk cId="1382873098" sldId="259"/>
-            <ac:spMk id="28" creationId="{43F6F12B-19FB-3DE3-FC74-8CDDAD0EA3B3}"/>
-          </ac:spMkLst>
-        </pc:spChg>
-        <pc:picChg chg="mod">
-          <ac:chgData name="Jean Ketler RENE" userId="ba35d095b67bd199" providerId="LiveId" clId="{3EBED974-51D8-4C5C-8838-8CE47BB96208}" dt="2024-11-20T06:11:52.058" v="275" actId="1076"/>
-          <ac:picMkLst>
-            <pc:docMk/>
-            <pc:sldMk cId="1382873098" sldId="259"/>
-            <ac:picMk id="5" creationId="{EBED6AF6-A700-89EF-07BA-908FF9BEA4A3}"/>
-          </ac:picMkLst>
-        </pc:picChg>
-      </pc:sldChg>
-      <pc:sldChg chg="new del">
-        <pc:chgData name="Jean Ketler RENE" userId="ba35d095b67bd199" providerId="LiveId" clId="{3EBED974-51D8-4C5C-8838-8CE47BB96208}" dt="2024-11-20T02:49:46.997" v="1" actId="47"/>
-        <pc:sldMkLst>
-          <pc:docMk/>
-          <pc:sldMk cId="2815353613" sldId="261"/>
-        </pc:sldMkLst>
-      </pc:sldChg>
-      <pc:sldChg chg="addSp delSp modSp new mod">
-        <pc:chgData name="Jean Ketler RENE" userId="ba35d095b67bd199" providerId="LiveId" clId="{3EBED974-51D8-4C5C-8838-8CE47BB96208}" dt="2024-11-20T05:24:08.939" v="217" actId="20577"/>
-        <pc:sldMkLst>
-          <pc:docMk/>
-          <pc:sldMk cId="3337679506" sldId="261"/>
-        </pc:sldMkLst>
-        <pc:spChg chg="mod">
-          <ac:chgData name="Jean Ketler RENE" userId="ba35d095b67bd199" providerId="LiveId" clId="{3EBED974-51D8-4C5C-8838-8CE47BB96208}" dt="2024-11-20T02:51:00.574" v="44" actId="20577"/>
-          <ac:spMkLst>
-            <pc:docMk/>
-            <pc:sldMk cId="3337679506" sldId="261"/>
-            <ac:spMk id="2" creationId="{6B44BC64-6311-ACCF-BEF8-1DF27261B1FC}"/>
-          </ac:spMkLst>
-        </pc:spChg>
-        <pc:spChg chg="add del mod">
-          <ac:chgData name="Jean Ketler RENE" userId="ba35d095b67bd199" providerId="LiveId" clId="{3EBED974-51D8-4C5C-8838-8CE47BB96208}" dt="2024-11-20T05:24:08.939" v="217" actId="20577"/>
-          <ac:spMkLst>
-            <pc:docMk/>
-            <pc:sldMk cId="3337679506" sldId="261"/>
-            <ac:spMk id="3" creationId="{D1CF182D-207A-3DF6-3C1D-59B01F405D0B}"/>
-          </ac:spMkLst>
-        </pc:spChg>
-        <pc:spChg chg="add mod">
-          <ac:chgData name="Jean Ketler RENE" userId="ba35d095b67bd199" providerId="LiveId" clId="{3EBED974-51D8-4C5C-8838-8CE47BB96208}" dt="2024-11-20T02:57:43.613" v="59"/>
-          <ac:spMkLst>
-            <pc:docMk/>
-            <pc:sldMk cId="3337679506" sldId="261"/>
-            <ac:spMk id="4" creationId="{BDE51660-2C65-0CCF-6A29-37E986490F64}"/>
-          </ac:spMkLst>
-        </pc:spChg>
-        <pc:spChg chg="add">
-          <ac:chgData name="Jean Ketler RENE" userId="ba35d095b67bd199" providerId="LiveId" clId="{3EBED974-51D8-4C5C-8838-8CE47BB96208}" dt="2024-11-20T05:16:59.345" v="126"/>
-          <ac:spMkLst>
-            <pc:docMk/>
-            <pc:sldMk cId="3337679506" sldId="261"/>
-            <ac:spMk id="5" creationId="{1CE2EA26-6A8F-0ABF-6B4A-9B96507262FD}"/>
-          </ac:spMkLst>
-        </pc:spChg>
-        <pc:spChg chg="add mod">
-          <ac:chgData name="Jean Ketler RENE" userId="ba35d095b67bd199" providerId="LiveId" clId="{3EBED974-51D8-4C5C-8838-8CE47BB96208}" dt="2024-11-20T05:17:24.635" v="131"/>
-          <ac:spMkLst>
-            <pc:docMk/>
-            <pc:sldMk cId="3337679506" sldId="261"/>
-            <ac:spMk id="6" creationId="{CD6F6CCA-60FB-EC31-3D25-35403B9E930E}"/>
-          </ac:spMkLst>
-        </pc:spChg>
-        <pc:spChg chg="add">
-          <ac:chgData name="Jean Ketler RENE" userId="ba35d095b67bd199" providerId="LiveId" clId="{3EBED974-51D8-4C5C-8838-8CE47BB96208}" dt="2024-11-20T05:17:35.009" v="132"/>
-          <ac:spMkLst>
-            <pc:docMk/>
-            <pc:sldMk cId="3337679506" sldId="261"/>
-            <ac:spMk id="7" creationId="{77D58A05-B8D9-01F6-84F2-1729595D9D40}"/>
-          </ac:spMkLst>
-        </pc:spChg>
-        <pc:spChg chg="add mod">
-          <ac:chgData name="Jean Ketler RENE" userId="ba35d095b67bd199" providerId="LiveId" clId="{3EBED974-51D8-4C5C-8838-8CE47BB96208}" dt="2024-11-20T05:18:18.788" v="142" actId="27636"/>
-          <ac:spMkLst>
-            <pc:docMk/>
-            <pc:sldMk cId="3337679506" sldId="261"/>
-            <ac:spMk id="8" creationId="{B8D78222-4B18-6E74-1DCE-107158527E0F}"/>
-          </ac:spMkLst>
-        </pc:spChg>
-        <pc:spChg chg="add">
-          <ac:chgData name="Jean Ketler RENE" userId="ba35d095b67bd199" providerId="LiveId" clId="{3EBED974-51D8-4C5C-8838-8CE47BB96208}" dt="2024-11-20T05:23:12.002" v="195"/>
-          <ac:spMkLst>
-            <pc:docMk/>
-            <pc:sldMk cId="3337679506" sldId="261"/>
-            <ac:spMk id="9" creationId="{702DB253-EAE1-6EE7-3AEA-C421E43D5EDF}"/>
-          </ac:spMkLst>
-        </pc:spChg>
-        <pc:spChg chg="add mod">
-          <ac:chgData name="Jean Ketler RENE" userId="ba35d095b67bd199" providerId="LiveId" clId="{3EBED974-51D8-4C5C-8838-8CE47BB96208}" dt="2024-11-20T05:23:43.892" v="202" actId="27636"/>
-          <ac:spMkLst>
-            <pc:docMk/>
-            <pc:sldMk cId="3337679506" sldId="261"/>
-            <ac:spMk id="10" creationId="{BBF20EF4-B18E-C356-C439-6C81C563EF9F}"/>
-          </ac:spMkLst>
-        </pc:spChg>
-      </pc:sldChg>
-      <pc:sldChg chg="addSp delSp modSp new mod">
-        <pc:chgData name="Jean Ketler RENE" userId="ba35d095b67bd199" providerId="LiveId" clId="{3EBED974-51D8-4C5C-8838-8CE47BB96208}" dt="2024-11-20T05:43:21.496" v="272" actId="14100"/>
-        <pc:sldMkLst>
-          <pc:docMk/>
-          <pc:sldMk cId="2852406288" sldId="262"/>
-        </pc:sldMkLst>
-        <pc:spChg chg="mod">
-          <ac:chgData name="Jean Ketler RENE" userId="ba35d095b67bd199" providerId="LiveId" clId="{3EBED974-51D8-4C5C-8838-8CE47BB96208}" dt="2024-11-20T05:24:40.443" v="219"/>
-          <ac:spMkLst>
-            <pc:docMk/>
-            <pc:sldMk cId="2852406288" sldId="262"/>
-            <ac:spMk id="2" creationId="{B8829272-AA85-4122-EBF0-EEB50663DC8E}"/>
-          </ac:spMkLst>
-        </pc:spChg>
-        <pc:spChg chg="del mod">
-          <ac:chgData name="Jean Ketler RENE" userId="ba35d095b67bd199" providerId="LiveId" clId="{3EBED974-51D8-4C5C-8838-8CE47BB96208}" dt="2024-11-20T05:28:20.137" v="222" actId="22"/>
-          <ac:spMkLst>
-            <pc:docMk/>
-            <pc:sldMk cId="2852406288" sldId="262"/>
-            <ac:spMk id="3" creationId="{C9BAE6DF-A262-B376-C83A-DBC170D20C70}"/>
-          </ac:spMkLst>
-        </pc:spChg>
-        <pc:picChg chg="add mod ord">
-          <ac:chgData name="Jean Ketler RENE" userId="ba35d095b67bd199" providerId="LiveId" clId="{3EBED974-51D8-4C5C-8838-8CE47BB96208}" dt="2024-11-20T05:28:59.774" v="225" actId="14100"/>
-          <ac:picMkLst>
-            <pc:docMk/>
-            <pc:sldMk cId="2852406288" sldId="262"/>
-            <ac:picMk id="5" creationId="{5D88E643-7EBD-9CE5-B82F-B34AD718ED24}"/>
-          </ac:picMkLst>
-        </pc:picChg>
-        <pc:picChg chg="add mod">
-          <ac:chgData name="Jean Ketler RENE" userId="ba35d095b67bd199" providerId="LiveId" clId="{3EBED974-51D8-4C5C-8838-8CE47BB96208}" dt="2024-11-20T05:43:21.496" v="272" actId="14100"/>
-          <ac:picMkLst>
-            <pc:docMk/>
-            <pc:sldMk cId="2852406288" sldId="262"/>
-            <ac:picMk id="7" creationId="{EB309A5A-93DC-4220-B984-F185807C382A}"/>
-          </ac:picMkLst>
-        </pc:picChg>
-        <pc:picChg chg="add mod">
-          <ac:chgData name="Jean Ketler RENE" userId="ba35d095b67bd199" providerId="LiveId" clId="{3EBED974-51D8-4C5C-8838-8CE47BB96208}" dt="2024-11-20T05:43:03.316" v="269" actId="14100"/>
-          <ac:picMkLst>
-            <pc:docMk/>
-            <pc:sldMk cId="2852406288" sldId="262"/>
-            <ac:picMk id="9" creationId="{9904EDD0-CB74-79AF-7EC7-B01922FA1A66}"/>
-          </ac:picMkLst>
-        </pc:picChg>
-        <pc:picChg chg="add mod">
-          <ac:chgData name="Jean Ketler RENE" userId="ba35d095b67bd199" providerId="LiveId" clId="{3EBED974-51D8-4C5C-8838-8CE47BB96208}" dt="2024-11-20T05:40:20.826" v="249" actId="14100"/>
-          <ac:picMkLst>
-            <pc:docMk/>
-            <pc:sldMk cId="2852406288" sldId="262"/>
-            <ac:picMk id="11" creationId="{D340EC9E-3899-F0D9-232F-BF94FBEF7D2E}"/>
-          </ac:picMkLst>
-        </pc:picChg>
-        <pc:picChg chg="add mod">
-          <ac:chgData name="Jean Ketler RENE" userId="ba35d095b67bd199" providerId="LiveId" clId="{3EBED974-51D8-4C5C-8838-8CE47BB96208}" dt="2024-11-20T05:42:48.378" v="268" actId="14100"/>
-          <ac:picMkLst>
-            <pc:docMk/>
-            <pc:sldMk cId="2852406288" sldId="262"/>
-            <ac:picMk id="13" creationId="{1D3CBCB3-2C1A-8CF5-0B31-7A6B74D8542D}"/>
-          </ac:picMkLst>
-        </pc:picChg>
-      </pc:sldChg>
-      <pc:sldChg chg="new">
-        <pc:chgData name="Jean Ketler RENE" userId="ba35d095b67bd199" providerId="LiveId" clId="{3EBED974-51D8-4C5C-8838-8CE47BB96208}" dt="2024-11-20T05:43:29.100" v="273" actId="680"/>
-        <pc:sldMkLst>
-          <pc:docMk/>
-          <pc:sldMk cId="2175984905" sldId="263"/>
-        </pc:sldMkLst>
-      </pc:sldChg>
-      <pc:sldChg chg="modSp new mod">
-        <pc:chgData name="Jean Ketler RENE" userId="ba35d095b67bd199" providerId="LiveId" clId="{3EBED974-51D8-4C5C-8838-8CE47BB96208}" dt="2024-11-20T06:33:28.609" v="328" actId="14100"/>
-        <pc:sldMkLst>
-          <pc:docMk/>
-          <pc:sldMk cId="3577550897" sldId="264"/>
-        </pc:sldMkLst>
-        <pc:spChg chg="mod">
-          <ac:chgData name="Jean Ketler RENE" userId="ba35d095b67bd199" providerId="LiveId" clId="{3EBED974-51D8-4C5C-8838-8CE47BB96208}" dt="2024-11-20T06:32:59.389" v="323" actId="20577"/>
-          <ac:spMkLst>
-            <pc:docMk/>
-            <pc:sldMk cId="3577550897" sldId="264"/>
-            <ac:spMk id="2" creationId="{AF2DC20C-2DEB-C1E0-FB60-30285ADD4661}"/>
-          </ac:spMkLst>
-        </pc:spChg>
-        <pc:spChg chg="mod">
-          <ac:chgData name="Jean Ketler RENE" userId="ba35d095b67bd199" providerId="LiveId" clId="{3EBED974-51D8-4C5C-8838-8CE47BB96208}" dt="2024-11-20T06:33:28.609" v="328" actId="14100"/>
-          <ac:spMkLst>
-            <pc:docMk/>
-            <pc:sldMk cId="3577550897" sldId="264"/>
-            <ac:spMk id="3" creationId="{90537692-CD39-F1B0-EB66-1CBC98A9FA5E}"/>
-          </ac:spMkLst>
-        </pc:spChg>
-      </pc:sldChg>
-    </pc:docChg>
-  </pc:docChgLst>
-</pc:chgInfo>
 </file>
 
 <file path=ppt/slideLayouts/slideLayout1.xml><?xml version="1.0" encoding="utf-8"?>
@@ -7945,7 +7723,7 @@
         </p:blipFill>
         <p:spPr>
           <a:xfrm>
-            <a:off x="6662057" y="4528457"/>
+            <a:off x="6755746" y="4528457"/>
             <a:ext cx="2819400" cy="1600200"/>
           </a:xfrm>
           <a:prstGeom prst="rect">
@@ -7988,12 +7766,12 @@
           <p:cNvPr id="2" name="Title 1">
             <a:extLst>
               <a:ext uri="{FF2B5EF4-FFF2-40B4-BE49-F238E27FC236}">
-                <a16:creationId xmlns:a16="http://schemas.microsoft.com/office/drawing/2014/main" id="{409B9C94-18F0-F1CD-237C-B96F005FC52E}"/>
+                <a16:creationId xmlns:a16="http://schemas.microsoft.com/office/drawing/2014/main" id="{12894E12-E85B-3E0C-CD31-8A4E78F71A17}"/>
               </a:ext>
             </a:extLst>
           </p:cNvPr>
           <p:cNvSpPr>
-            <a:spLocks noGrp="1"/>
+            <a:spLocks noGrp="1" noRot="1" noMove="1" noResize="1" noEditPoints="1" noAdjustHandles="1" noChangeArrowheads="1" noChangeShapeType="1"/>
           </p:cNvSpPr>
           <p:nvPr>
             <p:ph type="title"/>
@@ -8004,39 +7782,677 @@
           <a:bodyPr/>
           <a:lstStyle/>
           <a:p>
-            <a:endParaRPr lang="en-US"/>
-          </a:p>
-        </p:txBody>
-      </p:sp>
-      <p:sp>
-        <p:nvSpPr>
-          <p:cNvPr id="3" name="Content Placeholder 2">
+            <a:r>
+              <a:rPr lang="en-US" dirty="0"/>
+              <a:t>Strategy Pattern</a:t>
+            </a:r>
+          </a:p>
+        </p:txBody>
+      </p:sp>
+      <p:pic>
+        <p:nvPicPr>
+          <p:cNvPr id="5" name="Content Placeholder 4" descr="A diagram of a strategy&#10;&#10;Description automatically generated">
             <a:extLst>
               <a:ext uri="{FF2B5EF4-FFF2-40B4-BE49-F238E27FC236}">
-                <a16:creationId xmlns:a16="http://schemas.microsoft.com/office/drawing/2014/main" id="{9CB6CCBE-0CC3-BAE3-F7DE-F3D43B10A4B0}"/>
+                <a16:creationId xmlns:a16="http://schemas.microsoft.com/office/drawing/2014/main" id="{EBED6AF6-A700-89EF-07BA-908FF9BEA4A3}"/>
               </a:ext>
             </a:extLst>
           </p:cNvPr>
-          <p:cNvSpPr>
-            <a:spLocks noGrp="1"/>
-          </p:cNvSpPr>
+          <p:cNvPicPr>
+            <a:picLocks noGrp="1" noChangeAspect="1"/>
+          </p:cNvPicPr>
           <p:nvPr>
             <p:ph idx="1"/>
           </p:nvPr>
-        </p:nvSpPr>
-        <p:spPr/>
-        <p:txBody>
-          <a:bodyPr/>
-          <a:lstStyle/>
-          <a:p>
-            <a:endParaRPr lang="en-US"/>
+        </p:nvPicPr>
+        <p:blipFill>
+          <a:blip r:embed="rId2"/>
+          <a:stretch>
+            <a:fillRect/>
+          </a:stretch>
+        </p:blipFill>
+        <p:spPr>
+          <a:xfrm>
+            <a:off x="1389060" y="1719096"/>
+            <a:ext cx="9355139" cy="3766355"/>
+          </a:xfrm>
+          <a:prstGeom prst="rect">
+            <a:avLst/>
+          </a:prstGeom>
+        </p:spPr>
+      </p:pic>
+      <p:sp>
+        <p:nvSpPr>
+          <p:cNvPr id="6" name="TextBox 5">
+            <a:extLst>
+              <a:ext uri="{FF2B5EF4-FFF2-40B4-BE49-F238E27FC236}">
+                <a16:creationId xmlns:a16="http://schemas.microsoft.com/office/drawing/2014/main" id="{8901BE43-3DAE-6CBF-627B-496AD1D23463}"/>
+              </a:ext>
+            </a:extLst>
+          </p:cNvPr>
+          <p:cNvSpPr txBox="1">
+            <a:spLocks noGrp="1" noRot="1" noMove="1" noResize="1" noEditPoints="1" noAdjustHandles="1" noChangeArrowheads="1" noChangeShapeType="1"/>
+          </p:cNvSpPr>
+          <p:nvPr/>
+        </p:nvSpPr>
+        <p:spPr>
+          <a:xfrm>
+            <a:off x="5639503" y="1985962"/>
+            <a:ext cx="2111611" cy="276999"/>
+          </a:xfrm>
+          <a:prstGeom prst="rect">
+            <a:avLst/>
+          </a:prstGeom>
+          <a:solidFill>
+            <a:schemeClr val="accent4">
+              <a:lumMod val="40000"/>
+              <a:lumOff val="60000"/>
+            </a:schemeClr>
+          </a:solidFill>
+        </p:spPr>
+        <p:txBody>
+          <a:bodyPr wrap="square" lIns="91440" tIns="45720" rIns="91440" bIns="45720" rtlCol="0" anchor="t">
+            <a:spAutoFit/>
+          </a:bodyPr>
+          <a:lstStyle/>
+          <a:p>
+            <a:pPr algn="ctr"/>
+            <a:r>
+              <a:rPr lang="en-US" sz="1200" err="1">
+                <a:solidFill>
+                  <a:schemeClr val="bg1"/>
+                </a:solidFill>
+              </a:rPr>
+              <a:t>ProductLineServiceImp</a:t>
+            </a:r>
+            <a:endParaRPr lang="en-US" sz="1200">
+              <a:solidFill>
+                <a:schemeClr val="bg1"/>
+              </a:solidFill>
+            </a:endParaRPr>
+          </a:p>
+        </p:txBody>
+      </p:sp>
+      <p:sp>
+        <p:nvSpPr>
+          <p:cNvPr id="15" name="TextBox 14">
+            <a:extLst>
+              <a:ext uri="{FF2B5EF4-FFF2-40B4-BE49-F238E27FC236}">
+                <a16:creationId xmlns:a16="http://schemas.microsoft.com/office/drawing/2014/main" id="{030F9E64-85A5-C09C-18C2-00F5CBB90F64}"/>
+              </a:ext>
+            </a:extLst>
+          </p:cNvPr>
+          <p:cNvSpPr txBox="1">
+            <a:spLocks noGrp="1" noRot="1" noMove="1" noResize="1" noEditPoints="1" noAdjustHandles="1" noChangeArrowheads="1" noChangeShapeType="1"/>
+          </p:cNvSpPr>
+          <p:nvPr/>
+        </p:nvSpPr>
+        <p:spPr>
+          <a:xfrm>
+            <a:off x="1657957" y="2729088"/>
+            <a:ext cx="1919167" cy="276999"/>
+          </a:xfrm>
+          <a:prstGeom prst="rect">
+            <a:avLst/>
+          </a:prstGeom>
+          <a:solidFill>
+            <a:schemeClr val="accent4">
+              <a:lumMod val="40000"/>
+              <a:lumOff val="60000"/>
+            </a:schemeClr>
+          </a:solidFill>
+        </p:spPr>
+        <p:txBody>
+          <a:bodyPr wrap="square" lIns="91440" tIns="45720" rIns="91440" bIns="45720" rtlCol="0" anchor="t">
+            <a:spAutoFit/>
+          </a:bodyPr>
+          <a:lstStyle/>
+          <a:p>
+            <a:pPr algn="ctr"/>
+            <a:r>
+              <a:rPr lang="en-US" sz="1200" dirty="0">
+                <a:solidFill>
+                  <a:schemeClr val="bg1"/>
+                </a:solidFill>
+                <a:ea typeface="+mn-lt"/>
+                <a:cs typeface="+mn-lt"/>
+              </a:rPr>
+              <a:t>+ </a:t>
+            </a:r>
+            <a:r>
+              <a:rPr lang="en-US" sz="1200" dirty="0" err="1">
+                <a:solidFill>
+                  <a:schemeClr val="bg1"/>
+                </a:solidFill>
+                <a:ea typeface="+mn-lt"/>
+                <a:cs typeface="+mn-lt"/>
+              </a:rPr>
+              <a:t>addProduct</a:t>
+            </a:r>
+            <a:r>
+              <a:rPr lang="en-US" sz="1200" dirty="0">
+                <a:solidFill>
+                  <a:schemeClr val="bg1"/>
+                </a:solidFill>
+                <a:ea typeface="+mn-lt"/>
+                <a:cs typeface="+mn-lt"/>
+              </a:rPr>
+              <a:t>() </a:t>
+            </a:r>
+            <a:endParaRPr lang="en-US" dirty="0"/>
+          </a:p>
+        </p:txBody>
+      </p:sp>
+      <p:sp>
+        <p:nvSpPr>
+          <p:cNvPr id="18" name="TextBox 17">
+            <a:extLst>
+              <a:ext uri="{FF2B5EF4-FFF2-40B4-BE49-F238E27FC236}">
+                <a16:creationId xmlns:a16="http://schemas.microsoft.com/office/drawing/2014/main" id="{39D7AD48-AC5C-6117-AC4B-3DAFA257625E}"/>
+              </a:ext>
+            </a:extLst>
+          </p:cNvPr>
+          <p:cNvSpPr txBox="1">
+            <a:spLocks noGrp="1" noRot="1" noMove="1" noResize="1" noEditPoints="1" noAdjustHandles="1" noChangeArrowheads="1" noChangeShapeType="1"/>
+          </p:cNvSpPr>
+          <p:nvPr/>
+        </p:nvSpPr>
+        <p:spPr>
+          <a:xfrm>
+            <a:off x="5649028" y="2724149"/>
+            <a:ext cx="2111611" cy="276999"/>
+          </a:xfrm>
+          <a:prstGeom prst="rect">
+            <a:avLst/>
+          </a:prstGeom>
+          <a:solidFill>
+            <a:schemeClr val="accent4">
+              <a:lumMod val="40000"/>
+              <a:lumOff val="60000"/>
+            </a:schemeClr>
+          </a:solidFill>
+        </p:spPr>
+        <p:txBody>
+          <a:bodyPr wrap="square" lIns="91440" tIns="45720" rIns="91440" bIns="45720" rtlCol="0" anchor="t">
+            <a:spAutoFit/>
+          </a:bodyPr>
+          <a:lstStyle/>
+          <a:p>
+            <a:pPr algn="ctr"/>
+            <a:r>
+              <a:rPr lang="en-US" sz="1200" dirty="0">
+                <a:solidFill>
+                  <a:schemeClr val="bg1"/>
+                </a:solidFill>
+              </a:rPr>
+              <a:t>+ </a:t>
+            </a:r>
+            <a:r>
+              <a:rPr lang="en-US" sz="1200" dirty="0" err="1">
+                <a:solidFill>
+                  <a:schemeClr val="bg1"/>
+                </a:solidFill>
+              </a:rPr>
+              <a:t>addProduct</a:t>
+            </a:r>
+            <a:r>
+              <a:rPr lang="en-US" sz="1200" dirty="0">
+                <a:solidFill>
+                  <a:schemeClr val="bg1"/>
+                </a:solidFill>
+              </a:rPr>
+              <a:t>() </a:t>
+            </a:r>
+            <a:endParaRPr lang="en-US" dirty="0"/>
+          </a:p>
+        </p:txBody>
+      </p:sp>
+      <p:sp>
+        <p:nvSpPr>
+          <p:cNvPr id="19" name="TextBox 18">
+            <a:extLst>
+              <a:ext uri="{FF2B5EF4-FFF2-40B4-BE49-F238E27FC236}">
+                <a16:creationId xmlns:a16="http://schemas.microsoft.com/office/drawing/2014/main" id="{2B802171-3398-74B5-6DB5-BAF871C159FF}"/>
+              </a:ext>
+            </a:extLst>
+          </p:cNvPr>
+          <p:cNvSpPr txBox="1">
+            <a:spLocks noGrp="1" noRot="1" noMove="1" noResize="1" noEditPoints="1" noAdjustHandles="1" noChangeArrowheads="1" noChangeShapeType="1"/>
+          </p:cNvSpPr>
+          <p:nvPr/>
+        </p:nvSpPr>
+        <p:spPr>
+          <a:xfrm>
+            <a:off x="3163003" y="3995737"/>
+            <a:ext cx="2111611" cy="461665"/>
+          </a:xfrm>
+          <a:prstGeom prst="rect">
+            <a:avLst/>
+          </a:prstGeom>
+          <a:solidFill>
+            <a:schemeClr val="accent4">
+              <a:lumMod val="40000"/>
+              <a:lumOff val="60000"/>
+            </a:schemeClr>
+          </a:solidFill>
+        </p:spPr>
+        <p:txBody>
+          <a:bodyPr wrap="square" lIns="91440" tIns="45720" rIns="91440" bIns="45720" rtlCol="0" anchor="t">
+            <a:spAutoFit/>
+          </a:bodyPr>
+          <a:lstStyle/>
+          <a:p>
+            <a:pPr algn="ctr"/>
+            <a:r>
+              <a:rPr lang="en-US" sz="1200" dirty="0" err="1">
+                <a:solidFill>
+                  <a:schemeClr val="bg1"/>
+                </a:solidFill>
+                <a:ea typeface="+mn-lt"/>
+                <a:cs typeface="+mn-lt"/>
+              </a:rPr>
+              <a:t>ManualAddProductStrategy</a:t>
+            </a:r>
+            <a:endParaRPr lang="en-US" dirty="0" err="1">
+              <a:solidFill>
+                <a:schemeClr val="bg1"/>
+              </a:solidFill>
+            </a:endParaRPr>
+          </a:p>
+        </p:txBody>
+      </p:sp>
+      <p:sp>
+        <p:nvSpPr>
+          <p:cNvPr id="23" name="TextBox 22">
+            <a:extLst>
+              <a:ext uri="{FF2B5EF4-FFF2-40B4-BE49-F238E27FC236}">
+                <a16:creationId xmlns:a16="http://schemas.microsoft.com/office/drawing/2014/main" id="{32D9EB4C-959D-F96D-4544-6140D71FB967}"/>
+              </a:ext>
+            </a:extLst>
+          </p:cNvPr>
+          <p:cNvSpPr txBox="1">
+            <a:spLocks noGrp="1" noRot="1" noMove="1" noResize="1" noEditPoints="1" noAdjustHandles="1" noChangeArrowheads="1" noChangeShapeType="1"/>
+          </p:cNvSpPr>
+          <p:nvPr/>
+        </p:nvSpPr>
+        <p:spPr>
+          <a:xfrm>
+            <a:off x="3158240" y="4748212"/>
+            <a:ext cx="2111611" cy="276999"/>
+          </a:xfrm>
+          <a:prstGeom prst="rect">
+            <a:avLst/>
+          </a:prstGeom>
+          <a:solidFill>
+            <a:schemeClr val="accent4">
+              <a:lumMod val="40000"/>
+              <a:lumOff val="60000"/>
+            </a:schemeClr>
+          </a:solidFill>
+        </p:spPr>
+        <p:txBody>
+          <a:bodyPr wrap="square" lIns="91440" tIns="45720" rIns="91440" bIns="45720" rtlCol="0" anchor="t">
+            <a:spAutoFit/>
+          </a:bodyPr>
+          <a:lstStyle/>
+          <a:p>
+            <a:pPr algn="ctr"/>
+            <a:r>
+              <a:rPr lang="en-US" sz="1200" dirty="0">
+                <a:solidFill>
+                  <a:schemeClr val="bg1"/>
+                </a:solidFill>
+                <a:ea typeface="+mn-lt"/>
+                <a:cs typeface="+mn-lt"/>
+              </a:rPr>
+              <a:t>+ </a:t>
+            </a:r>
+            <a:r>
+              <a:rPr lang="en-US" sz="1200" dirty="0" err="1">
+                <a:solidFill>
+                  <a:schemeClr val="bg1"/>
+                </a:solidFill>
+                <a:ea typeface="+mn-lt"/>
+                <a:cs typeface="+mn-lt"/>
+              </a:rPr>
+              <a:t>addProduct</a:t>
+            </a:r>
+            <a:r>
+              <a:rPr lang="en-US" sz="1200" dirty="0">
+                <a:solidFill>
+                  <a:schemeClr val="bg1"/>
+                </a:solidFill>
+                <a:ea typeface="+mn-lt"/>
+                <a:cs typeface="+mn-lt"/>
+              </a:rPr>
+              <a:t>()</a:t>
+            </a:r>
+            <a:endParaRPr lang="en-US" dirty="0">
+              <a:solidFill>
+                <a:schemeClr val="bg1"/>
+              </a:solidFill>
+              <a:ea typeface="+mn-lt"/>
+              <a:cs typeface="+mn-lt"/>
+            </a:endParaRPr>
+          </a:p>
+        </p:txBody>
+      </p:sp>
+      <p:sp>
+        <p:nvSpPr>
+          <p:cNvPr id="24" name="TextBox 23">
+            <a:extLst>
+              <a:ext uri="{FF2B5EF4-FFF2-40B4-BE49-F238E27FC236}">
+                <a16:creationId xmlns:a16="http://schemas.microsoft.com/office/drawing/2014/main" id="{2A9BEAC9-97A0-97DE-0DEA-0FBDF43308B6}"/>
+              </a:ext>
+            </a:extLst>
+          </p:cNvPr>
+          <p:cNvSpPr txBox="1">
+            <a:spLocks noGrp="1" noRot="1" noMove="1" noResize="1" noEditPoints="1" noAdjustHandles="1" noChangeArrowheads="1" noChangeShapeType="1"/>
+          </p:cNvSpPr>
+          <p:nvPr/>
+        </p:nvSpPr>
+        <p:spPr>
+          <a:xfrm>
+            <a:off x="5644265" y="4748212"/>
+            <a:ext cx="2111611" cy="276999"/>
+          </a:xfrm>
+          <a:prstGeom prst="rect">
+            <a:avLst/>
+          </a:prstGeom>
+          <a:solidFill>
+            <a:schemeClr val="accent4">
+              <a:lumMod val="40000"/>
+              <a:lumOff val="60000"/>
+            </a:schemeClr>
+          </a:solidFill>
+        </p:spPr>
+        <p:txBody>
+          <a:bodyPr wrap="square" lIns="91440" tIns="45720" rIns="91440" bIns="45720" rtlCol="0" anchor="t">
+            <a:spAutoFit/>
+          </a:bodyPr>
+          <a:lstStyle/>
+          <a:p>
+            <a:pPr algn="ctr"/>
+            <a:r>
+              <a:rPr lang="en-US" sz="1200" dirty="0">
+                <a:solidFill>
+                  <a:schemeClr val="bg1"/>
+                </a:solidFill>
+                <a:ea typeface="+mn-lt"/>
+                <a:cs typeface="+mn-lt"/>
+              </a:rPr>
+              <a:t>+ </a:t>
+            </a:r>
+            <a:r>
+              <a:rPr lang="en-US" sz="1200" dirty="0" err="1">
+                <a:solidFill>
+                  <a:schemeClr val="bg1"/>
+                </a:solidFill>
+                <a:ea typeface="+mn-lt"/>
+                <a:cs typeface="+mn-lt"/>
+              </a:rPr>
+              <a:t>addProduct</a:t>
+            </a:r>
+            <a:r>
+              <a:rPr lang="en-US" sz="1200" dirty="0">
+                <a:solidFill>
+                  <a:schemeClr val="bg1"/>
+                </a:solidFill>
+                <a:ea typeface="+mn-lt"/>
+                <a:cs typeface="+mn-lt"/>
+              </a:rPr>
+              <a:t>()</a:t>
+            </a:r>
+            <a:endParaRPr lang="en-US" dirty="0">
+              <a:solidFill>
+                <a:schemeClr val="bg1"/>
+              </a:solidFill>
+              <a:ea typeface="+mn-lt"/>
+              <a:cs typeface="+mn-lt"/>
+            </a:endParaRPr>
+          </a:p>
+        </p:txBody>
+      </p:sp>
+      <p:sp>
+        <p:nvSpPr>
+          <p:cNvPr id="25" name="TextBox 24">
+            <a:extLst>
+              <a:ext uri="{FF2B5EF4-FFF2-40B4-BE49-F238E27FC236}">
+                <a16:creationId xmlns:a16="http://schemas.microsoft.com/office/drawing/2014/main" id="{9DADD626-1AFF-EFC3-6C9B-83D397F9ED67}"/>
+              </a:ext>
+            </a:extLst>
+          </p:cNvPr>
+          <p:cNvSpPr txBox="1">
+            <a:spLocks noGrp="1" noRot="1" noMove="1" noResize="1" noEditPoints="1" noAdjustHandles="1" noChangeArrowheads="1" noChangeShapeType="1"/>
+          </p:cNvSpPr>
+          <p:nvPr/>
+        </p:nvSpPr>
+        <p:spPr>
+          <a:xfrm>
+            <a:off x="8187440" y="4748212"/>
+            <a:ext cx="2111611" cy="276999"/>
+          </a:xfrm>
+          <a:prstGeom prst="rect">
+            <a:avLst/>
+          </a:prstGeom>
+          <a:solidFill>
+            <a:schemeClr val="accent4">
+              <a:lumMod val="40000"/>
+              <a:lumOff val="60000"/>
+            </a:schemeClr>
+          </a:solidFill>
+        </p:spPr>
+        <p:txBody>
+          <a:bodyPr wrap="square" lIns="91440" tIns="45720" rIns="91440" bIns="45720" rtlCol="0" anchor="t">
+            <a:spAutoFit/>
+          </a:bodyPr>
+          <a:lstStyle/>
+          <a:p>
+            <a:pPr algn="ctr"/>
+            <a:r>
+              <a:rPr lang="en-US" sz="1200" dirty="0">
+                <a:solidFill>
+                  <a:schemeClr val="bg1"/>
+                </a:solidFill>
+                <a:ea typeface="+mn-lt"/>
+                <a:cs typeface="+mn-lt"/>
+              </a:rPr>
+              <a:t>+ </a:t>
+            </a:r>
+            <a:r>
+              <a:rPr lang="en-US" sz="1200" dirty="0" err="1">
+                <a:solidFill>
+                  <a:schemeClr val="bg1"/>
+                </a:solidFill>
+                <a:ea typeface="+mn-lt"/>
+                <a:cs typeface="+mn-lt"/>
+              </a:rPr>
+              <a:t>addProduct</a:t>
+            </a:r>
+            <a:r>
+              <a:rPr lang="en-US" sz="1200" dirty="0">
+                <a:solidFill>
+                  <a:schemeClr val="bg1"/>
+                </a:solidFill>
+                <a:ea typeface="+mn-lt"/>
+                <a:cs typeface="+mn-lt"/>
+              </a:rPr>
+              <a:t>()</a:t>
+            </a:r>
+            <a:endParaRPr lang="en-US" dirty="0">
+              <a:solidFill>
+                <a:schemeClr val="bg1"/>
+              </a:solidFill>
+              <a:ea typeface="+mn-lt"/>
+              <a:cs typeface="+mn-lt"/>
+            </a:endParaRPr>
+          </a:p>
+        </p:txBody>
+      </p:sp>
+      <p:sp>
+        <p:nvSpPr>
+          <p:cNvPr id="26" name="TextBox 25">
+            <a:extLst>
+              <a:ext uri="{FF2B5EF4-FFF2-40B4-BE49-F238E27FC236}">
+                <a16:creationId xmlns:a16="http://schemas.microsoft.com/office/drawing/2014/main" id="{9EBCF55A-FE41-74E2-2A5A-78320AC34BDF}"/>
+              </a:ext>
+            </a:extLst>
+          </p:cNvPr>
+          <p:cNvSpPr txBox="1">
+            <a:spLocks noGrp="1" noRot="1" noMove="1" noResize="1" noEditPoints="1" noAdjustHandles="1" noChangeArrowheads="1" noChangeShapeType="1"/>
+          </p:cNvSpPr>
+          <p:nvPr/>
+        </p:nvSpPr>
+        <p:spPr>
+          <a:xfrm>
+            <a:off x="5644266" y="3990974"/>
+            <a:ext cx="2111611" cy="276999"/>
+          </a:xfrm>
+          <a:prstGeom prst="rect">
+            <a:avLst/>
+          </a:prstGeom>
+          <a:solidFill>
+            <a:schemeClr val="accent4">
+              <a:lumMod val="40000"/>
+              <a:lumOff val="60000"/>
+            </a:schemeClr>
+          </a:solidFill>
+        </p:spPr>
+        <p:txBody>
+          <a:bodyPr wrap="square" lIns="91440" tIns="45720" rIns="91440" bIns="45720" rtlCol="0" anchor="t">
+            <a:spAutoFit/>
+          </a:bodyPr>
+          <a:lstStyle/>
+          <a:p>
+            <a:pPr algn="ctr"/>
+            <a:r>
+              <a:rPr lang="en-US" sz="1200" dirty="0" err="1">
+                <a:solidFill>
+                  <a:schemeClr val="bg1"/>
+                </a:solidFill>
+                <a:ea typeface="+mn-lt"/>
+                <a:cs typeface="+mn-lt"/>
+              </a:rPr>
+              <a:t>BulkAddProductStrategy</a:t>
+            </a:r>
+            <a:endParaRPr lang="en-US" dirty="0" err="1">
+              <a:solidFill>
+                <a:schemeClr val="bg1"/>
+              </a:solidFill>
+            </a:endParaRPr>
+          </a:p>
+        </p:txBody>
+      </p:sp>
+      <p:sp>
+        <p:nvSpPr>
+          <p:cNvPr id="27" name="TextBox 26">
+            <a:extLst>
+              <a:ext uri="{FF2B5EF4-FFF2-40B4-BE49-F238E27FC236}">
+                <a16:creationId xmlns:a16="http://schemas.microsoft.com/office/drawing/2014/main" id="{76516413-F952-501E-61BC-3D8F4D6AEBBE}"/>
+              </a:ext>
+            </a:extLst>
+          </p:cNvPr>
+          <p:cNvSpPr txBox="1">
+            <a:spLocks noGrp="1" noRot="1" noMove="1" noResize="1" noEditPoints="1" noAdjustHandles="1" noChangeArrowheads="1" noChangeShapeType="1"/>
+          </p:cNvSpPr>
+          <p:nvPr/>
+        </p:nvSpPr>
+        <p:spPr>
+          <a:xfrm>
+            <a:off x="8201728" y="3990974"/>
+            <a:ext cx="2111611" cy="461665"/>
+          </a:xfrm>
+          <a:prstGeom prst="rect">
+            <a:avLst/>
+          </a:prstGeom>
+          <a:solidFill>
+            <a:schemeClr val="accent4">
+              <a:lumMod val="40000"/>
+              <a:lumOff val="60000"/>
+            </a:schemeClr>
+          </a:solidFill>
+        </p:spPr>
+        <p:txBody>
+          <a:bodyPr wrap="square" lIns="91440" tIns="45720" rIns="91440" bIns="45720" rtlCol="0" anchor="t">
+            <a:spAutoFit/>
+          </a:bodyPr>
+          <a:lstStyle/>
+          <a:p>
+            <a:pPr algn="ctr"/>
+            <a:r>
+              <a:rPr lang="en-US" sz="1200" dirty="0" err="1">
+                <a:solidFill>
+                  <a:schemeClr val="bg1"/>
+                </a:solidFill>
+                <a:ea typeface="+mn-lt"/>
+                <a:cs typeface="+mn-lt"/>
+              </a:rPr>
+              <a:t>ValidatedAddProductStrategy</a:t>
+            </a:r>
+            <a:endParaRPr lang="en-US" dirty="0" err="1">
+              <a:solidFill>
+                <a:schemeClr val="bg1"/>
+              </a:solidFill>
+            </a:endParaRPr>
+          </a:p>
+        </p:txBody>
+      </p:sp>
+      <p:sp>
+        <p:nvSpPr>
+          <p:cNvPr id="28" name="TextBox 27">
+            <a:extLst>
+              <a:ext uri="{FF2B5EF4-FFF2-40B4-BE49-F238E27FC236}">
+                <a16:creationId xmlns:a16="http://schemas.microsoft.com/office/drawing/2014/main" id="{43F6F12B-19FB-3DE3-FC74-8CDDAD0EA3B3}"/>
+              </a:ext>
+            </a:extLst>
+          </p:cNvPr>
+          <p:cNvSpPr txBox="1">
+            <a:spLocks noGrp="1" noRot="1" noMove="1" noResize="1" noEditPoints="1" noAdjustHandles="1" noChangeArrowheads="1" noChangeShapeType="1"/>
+          </p:cNvSpPr>
+          <p:nvPr/>
+        </p:nvSpPr>
+        <p:spPr>
+          <a:xfrm>
+            <a:off x="1658053" y="1985963"/>
+            <a:ext cx="1936044" cy="276999"/>
+          </a:xfrm>
+          <a:prstGeom prst="rect">
+            <a:avLst/>
+          </a:prstGeom>
+          <a:solidFill>
+            <a:schemeClr val="accent4">
+              <a:lumMod val="40000"/>
+              <a:lumOff val="60000"/>
+            </a:schemeClr>
+          </a:solidFill>
+        </p:spPr>
+        <p:txBody>
+          <a:bodyPr wrap="square" lIns="91440" tIns="45720" rIns="91440" bIns="45720" rtlCol="0" anchor="t">
+            <a:spAutoFit/>
+          </a:bodyPr>
+          <a:lstStyle/>
+          <a:p>
+            <a:pPr algn="ctr"/>
+            <a:r>
+              <a:rPr lang="en-US" sz="1200" dirty="0" err="1">
+                <a:solidFill>
+                  <a:schemeClr val="bg1"/>
+                </a:solidFill>
+              </a:rPr>
+              <a:t>ProductLineService</a:t>
+            </a:r>
+            <a:endParaRPr lang="en-US" dirty="0" err="1">
+              <a:solidFill>
+                <a:schemeClr val="bg1"/>
+              </a:solidFill>
+            </a:endParaRPr>
           </a:p>
         </p:txBody>
       </p:sp>
     </p:spTree>
     <p:extLst>
       <p:ext uri="{BB962C8B-B14F-4D97-AF65-F5344CB8AC3E}">
-        <p14:creationId xmlns:p14="http://schemas.microsoft.com/office/powerpoint/2010/main" val="2175984905"/>
+        <p14:creationId xmlns:p14="http://schemas.microsoft.com/office/powerpoint/2010/main" val="1350351189"/>
       </p:ext>
     </p:extLst>
   </p:cSld>

--- a/SWEPresentation.pptx
+++ b/SWEPresentation.pptx
@@ -316,7 +316,7 @@
           <a:p>
             <a:fld id="{9583B2AB-13B5-DD4D-8149-993FE0E16C72}" type="datetimeFigureOut">
               <a:rPr lang="en-US" smtClean="0"/>
-              <a:t>11/19/2024</a:t>
+              <a:t>11/20/2024</a:t>
             </a:fld>
             <a:endParaRPr lang="en-US"/>
           </a:p>
@@ -591,7 +591,7 @@
           <a:p>
             <a:fld id="{9583B2AB-13B5-DD4D-8149-993FE0E16C72}" type="datetimeFigureOut">
               <a:rPr lang="en-US" smtClean="0"/>
-              <a:t>11/19/2024</a:t>
+              <a:t>11/20/2024</a:t>
             </a:fld>
             <a:endParaRPr lang="en-US"/>
           </a:p>
@@ -785,7 +785,7 @@
           <a:p>
             <a:fld id="{9583B2AB-13B5-DD4D-8149-993FE0E16C72}" type="datetimeFigureOut">
               <a:rPr lang="en-US" smtClean="0"/>
-              <a:t>11/19/2024</a:t>
+              <a:t>11/20/2024</a:t>
             </a:fld>
             <a:endParaRPr lang="en-US"/>
           </a:p>
@@ -1058,7 +1058,7 @@
           <a:p>
             <a:fld id="{9583B2AB-13B5-DD4D-8149-993FE0E16C72}" type="datetimeFigureOut">
               <a:rPr lang="en-US" smtClean="0"/>
-              <a:t>11/19/2024</a:t>
+              <a:t>11/20/2024</a:t>
             </a:fld>
             <a:endParaRPr lang="en-US"/>
           </a:p>
@@ -1399,7 +1399,7 @@
           <a:p>
             <a:fld id="{9583B2AB-13B5-DD4D-8149-993FE0E16C72}" type="datetimeFigureOut">
               <a:rPr lang="en-US" smtClean="0"/>
-              <a:t>11/19/2024</a:t>
+              <a:t>11/20/2024</a:t>
             </a:fld>
             <a:endParaRPr lang="en-US"/>
           </a:p>
@@ -2022,7 +2022,7 @@
           <a:p>
             <a:fld id="{9583B2AB-13B5-DD4D-8149-993FE0E16C72}" type="datetimeFigureOut">
               <a:rPr lang="en-US" smtClean="0"/>
-              <a:t>11/19/2024</a:t>
+              <a:t>11/20/2024</a:t>
             </a:fld>
             <a:endParaRPr lang="en-US"/>
           </a:p>
@@ -2882,7 +2882,7 @@
           <a:p>
             <a:fld id="{9583B2AB-13B5-DD4D-8149-993FE0E16C72}" type="datetimeFigureOut">
               <a:rPr lang="en-US" smtClean="0"/>
-              <a:t>11/19/2024</a:t>
+              <a:t>11/20/2024</a:t>
             </a:fld>
             <a:endParaRPr lang="en-US"/>
           </a:p>
@@ -3052,7 +3052,7 @@
           <a:p>
             <a:fld id="{9583B2AB-13B5-DD4D-8149-993FE0E16C72}" type="datetimeFigureOut">
               <a:rPr lang="en-US" smtClean="0"/>
-              <a:t>11/19/2024</a:t>
+              <a:t>11/20/2024</a:t>
             </a:fld>
             <a:endParaRPr lang="en-US"/>
           </a:p>
@@ -3232,7 +3232,7 @@
           <a:p>
             <a:fld id="{9583B2AB-13B5-DD4D-8149-993FE0E16C72}" type="datetimeFigureOut">
               <a:rPr lang="en-US" smtClean="0"/>
-              <a:t>11/19/2024</a:t>
+              <a:t>11/20/2024</a:t>
             </a:fld>
             <a:endParaRPr lang="en-US"/>
           </a:p>
@@ -3402,7 +3402,7 @@
           <a:p>
             <a:fld id="{9583B2AB-13B5-DD4D-8149-993FE0E16C72}" type="datetimeFigureOut">
               <a:rPr lang="en-US" smtClean="0"/>
-              <a:t>11/19/2024</a:t>
+              <a:t>11/20/2024</a:t>
             </a:fld>
             <a:endParaRPr lang="en-US"/>
           </a:p>
@@ -3649,7 +3649,7 @@
           <a:p>
             <a:fld id="{9583B2AB-13B5-DD4D-8149-993FE0E16C72}" type="datetimeFigureOut">
               <a:rPr lang="en-US" smtClean="0"/>
-              <a:t>11/19/2024</a:t>
+              <a:t>11/20/2024</a:t>
             </a:fld>
             <a:endParaRPr lang="en-US"/>
           </a:p>
@@ -3941,7 +3941,7 @@
           <a:p>
             <a:fld id="{9583B2AB-13B5-DD4D-8149-993FE0E16C72}" type="datetimeFigureOut">
               <a:rPr lang="en-US" smtClean="0"/>
-              <a:t>11/19/2024</a:t>
+              <a:t>11/20/2024</a:t>
             </a:fld>
             <a:endParaRPr lang="en-US"/>
           </a:p>
@@ -4385,7 +4385,7 @@
           <a:p>
             <a:fld id="{9583B2AB-13B5-DD4D-8149-993FE0E16C72}" type="datetimeFigureOut">
               <a:rPr lang="en-US" smtClean="0"/>
-              <a:t>11/19/2024</a:t>
+              <a:t>11/20/2024</a:t>
             </a:fld>
             <a:endParaRPr lang="en-US"/>
           </a:p>
@@ -4503,7 +4503,7 @@
           <a:p>
             <a:fld id="{9583B2AB-13B5-DD4D-8149-993FE0E16C72}" type="datetimeFigureOut">
               <a:rPr lang="en-US" smtClean="0"/>
-              <a:t>11/19/2024</a:t>
+              <a:t>11/20/2024</a:t>
             </a:fld>
             <a:endParaRPr lang="en-US"/>
           </a:p>
@@ -4598,7 +4598,7 @@
           <a:p>
             <a:fld id="{9583B2AB-13B5-DD4D-8149-993FE0E16C72}" type="datetimeFigureOut">
               <a:rPr lang="en-US" smtClean="0"/>
-              <a:t>11/19/2024</a:t>
+              <a:t>11/20/2024</a:t>
             </a:fld>
             <a:endParaRPr lang="en-US"/>
           </a:p>
@@ -4877,7 +4877,7 @@
           <a:p>
             <a:fld id="{9583B2AB-13B5-DD4D-8149-993FE0E16C72}" type="datetimeFigureOut">
               <a:rPr lang="en-US" smtClean="0"/>
-              <a:t>11/19/2024</a:t>
+              <a:t>11/20/2024</a:t>
             </a:fld>
             <a:endParaRPr lang="en-US"/>
           </a:p>
@@ -5152,7 +5152,7 @@
           <a:p>
             <a:fld id="{9583B2AB-13B5-DD4D-8149-993FE0E16C72}" type="datetimeFigureOut">
               <a:rPr lang="en-US" smtClean="0"/>
-              <a:t>11/19/2024</a:t>
+              <a:t>11/20/2024</a:t>
             </a:fld>
             <a:endParaRPr lang="en-US"/>
           </a:p>
@@ -5581,7 +5581,7 @@
           <a:p>
             <a:fld id="{9583B2AB-13B5-DD4D-8149-993FE0E16C72}" type="datetimeFigureOut">
               <a:rPr lang="en-US" smtClean="0"/>
-              <a:t>11/19/2024</a:t>
+              <a:t>11/20/2024</a:t>
             </a:fld>
             <a:endParaRPr lang="en-US"/>
           </a:p>
@@ -7584,35 +7584,6 @@
       </p:sp>
       <p:pic>
         <p:nvPicPr>
-          <p:cNvPr id="5" name="Content Placeholder 4">
-            <a:extLst>
-              <a:ext uri="{FF2B5EF4-FFF2-40B4-BE49-F238E27FC236}">
-                <a16:creationId xmlns:a16="http://schemas.microsoft.com/office/drawing/2014/main" id="{5D88E643-7EBD-9CE5-B82F-B34AD718ED24}"/>
-              </a:ext>
-            </a:extLst>
-          </p:cNvPr>
-          <p:cNvPicPr>
-            <a:picLocks noGrp="1" noChangeAspect="1"/>
-          </p:cNvPicPr>
-          <p:nvPr>
-            <p:ph idx="1"/>
-          </p:nvPr>
-        </p:nvPicPr>
-        <p:blipFill>
-          <a:blip r:embed="rId2"/>
-          <a:stretch>
-            <a:fillRect/>
-          </a:stretch>
-        </p:blipFill>
-        <p:spPr>
-          <a:xfrm>
-            <a:off x="555172" y="1102770"/>
-            <a:ext cx="5747657" cy="3153544"/>
-          </a:xfrm>
-        </p:spPr>
-      </p:pic>
-      <p:pic>
-        <p:nvPicPr>
           <p:cNvPr id="7" name="Picture 6">
             <a:extLst>
               <a:ext uri="{FF2B5EF4-FFF2-40B4-BE49-F238E27FC236}">
@@ -7626,15 +7597,15 @@
           <p:nvPr/>
         </p:nvPicPr>
         <p:blipFill>
-          <a:blip r:embed="rId3"/>
+          <a:blip r:embed="rId2"/>
           <a:stretch>
             <a:fillRect/>
           </a:stretch>
         </p:blipFill>
         <p:spPr>
           <a:xfrm>
-            <a:off x="6393768" y="1102771"/>
-            <a:ext cx="5798231" cy="3153543"/>
+            <a:off x="5921828" y="1197429"/>
+            <a:ext cx="6270171" cy="3158719"/>
           </a:xfrm>
           <a:prstGeom prst="rect">
             <a:avLst/>
@@ -7656,7 +7627,7 @@
           <p:nvPr/>
         </p:nvPicPr>
         <p:blipFill>
-          <a:blip r:embed="rId4"/>
+          <a:blip r:embed="rId3"/>
           <a:stretch>
             <a:fillRect/>
           </a:stretch>
@@ -7686,7 +7657,7 @@
           <p:nvPr/>
         </p:nvPicPr>
         <p:blipFill>
-          <a:blip r:embed="rId5"/>
+          <a:blip r:embed="rId4"/>
           <a:stretch>
             <a:fillRect/>
           </a:stretch>
@@ -7716,6 +7687,38 @@
           <p:nvPr/>
         </p:nvPicPr>
         <p:blipFill>
+          <a:blip r:embed="rId5"/>
+          <a:stretch>
+            <a:fillRect/>
+          </a:stretch>
+        </p:blipFill>
+        <p:spPr>
+          <a:xfrm>
+            <a:off x="6755746" y="4528457"/>
+            <a:ext cx="2819400" cy="1600200"/>
+          </a:xfrm>
+          <a:prstGeom prst="rect">
+            <a:avLst/>
+          </a:prstGeom>
+        </p:spPr>
+      </p:pic>
+      <p:pic>
+        <p:nvPicPr>
+          <p:cNvPr id="17" name="Content Placeholder 16">
+            <a:extLst>
+              <a:ext uri="{FF2B5EF4-FFF2-40B4-BE49-F238E27FC236}">
+                <a16:creationId xmlns:a16="http://schemas.microsoft.com/office/drawing/2014/main" id="{97BCF228-F661-4517-3500-E8127209F9D7}"/>
+              </a:ext>
+            </a:extLst>
+          </p:cNvPr>
+          <p:cNvPicPr>
+            <a:picLocks noGrp="1" noChangeAspect="1"/>
+          </p:cNvPicPr>
+          <p:nvPr>
+            <p:ph idx="1"/>
+          </p:nvPr>
+        </p:nvPicPr>
+        <p:blipFill>
           <a:blip r:embed="rId6"/>
           <a:stretch>
             <a:fillRect/>
@@ -7723,12 +7726,9 @@
         </p:blipFill>
         <p:spPr>
           <a:xfrm>
-            <a:off x="6755746" y="4528457"/>
-            <a:ext cx="2819400" cy="1600200"/>
-          </a:xfrm>
-          <a:prstGeom prst="rect">
-            <a:avLst/>
-          </a:prstGeom>
+            <a:off x="234134" y="1197429"/>
+            <a:ext cx="5564099" cy="3153543"/>
+          </a:xfrm>
         </p:spPr>
       </p:pic>
     </p:spTree>
